--- a/Presentazioni/Presentazione_Pozzato.pptx
+++ b/Presentazioni/Presentazione_Pozzato.pptx
@@ -6,12 +6,18 @@
   </p:sldMasterIdLst>
   <p:sldIdLst>
     <p:sldId id="256" r:id="rId2"/>
-    <p:sldId id="257" r:id="rId3"/>
-    <p:sldId id="258" r:id="rId4"/>
-    <p:sldId id="259" r:id="rId5"/>
-    <p:sldId id="260" r:id="rId6"/>
-    <p:sldId id="261" r:id="rId7"/>
-    <p:sldId id="262" r:id="rId8"/>
+    <p:sldId id="263" r:id="rId3"/>
+    <p:sldId id="265" r:id="rId4"/>
+    <p:sldId id="266" r:id="rId5"/>
+    <p:sldId id="267" r:id="rId6"/>
+    <p:sldId id="268" r:id="rId7"/>
+    <p:sldId id="264" r:id="rId8"/>
+    <p:sldId id="257" r:id="rId9"/>
+    <p:sldId id="258" r:id="rId10"/>
+    <p:sldId id="259" r:id="rId11"/>
+    <p:sldId id="260" r:id="rId12"/>
+    <p:sldId id="261" r:id="rId13"/>
+    <p:sldId id="262" r:id="rId14"/>
   </p:sldIdLst>
   <p:sldSz cx="12192000" cy="6858000"/>
   <p:notesSz cx="6858000" cy="9144000"/>
@@ -110,7 +116,340 @@
       </a:defRPr>
     </a:lvl9pPr>
   </p:defaultTextStyle>
+  <p:extLst>
+    <p:ext uri="{EFAFB233-063F-42B5-8137-9DF3F51BA10A}">
+      <p15:sldGuideLst xmlns:p15="http://schemas.microsoft.com/office/powerpoint/2012/main"/>
+    </p:ext>
+  </p:extLst>
 </p:presentation>
+</file>
+
+<file path=ppt/revisionInfo.xml><?xml version="1.0" encoding="utf-8"?>
+<p1510:revInfo xmlns:a="http://schemas.openxmlformats.org/drawingml/2006/main" xmlns:r="http://schemas.openxmlformats.org/officeDocument/2006/relationships" xmlns:p1510="http://schemas.microsoft.com/office/powerpoint/2015/10/main">
+  <p1510:revLst>
+    <p1510:client id="{3074E1E7-21EB-4AD0-B2A4-A7AA456F34DF}" v="28" dt="2022-06-03T09:16:37.114"/>
+  </p1510:revLst>
+</p1510:revInfo>
+</file>
+
+<file path=ppt/changesInfos/changesInfo1.xml><?xml version="1.0" encoding="utf-8"?>
+<pc:chgInfo xmlns:a="http://schemas.openxmlformats.org/drawingml/2006/main" xmlns:r="http://schemas.openxmlformats.org/officeDocument/2006/relationships" xmlns:ac="http://schemas.microsoft.com/office/drawing/2013/main/command" xmlns:pc="http://schemas.microsoft.com/office/powerpoint/2013/main/command">
+  <pc:docChgLst>
+    <pc:chgData name="Gianni Molinari" userId="6f4fdafd7117f577" providerId="LiveId" clId="{3074E1E7-21EB-4AD0-B2A4-A7AA456F34DF}"/>
+    <pc:docChg chg="undo custSel addSld modSld">
+      <pc:chgData name="Gianni Molinari" userId="6f4fdafd7117f577" providerId="LiveId" clId="{3074E1E7-21EB-4AD0-B2A4-A7AA456F34DF}" dt="2022-06-03T09:18:44.227" v="2662" actId="20577"/>
+      <pc:docMkLst>
+        <pc:docMk/>
+      </pc:docMkLst>
+      <pc:sldChg chg="delSp modSp new mod">
+        <pc:chgData name="Gianni Molinari" userId="6f4fdafd7117f577" providerId="LiveId" clId="{3074E1E7-21EB-4AD0-B2A4-A7AA456F34DF}" dt="2022-06-03T08:32:59.298" v="28" actId="1076"/>
+        <pc:sldMkLst>
+          <pc:docMk/>
+          <pc:sldMk cId="1319094339" sldId="263"/>
+        </pc:sldMkLst>
+        <pc:spChg chg="mod">
+          <ac:chgData name="Gianni Molinari" userId="6f4fdafd7117f577" providerId="LiveId" clId="{3074E1E7-21EB-4AD0-B2A4-A7AA456F34DF}" dt="2022-06-03T08:32:59.298" v="28" actId="1076"/>
+          <ac:spMkLst>
+            <pc:docMk/>
+            <pc:sldMk cId="1319094339" sldId="263"/>
+            <ac:spMk id="2" creationId="{A241AEA7-17CD-8064-48F0-1B1B9C815363}"/>
+          </ac:spMkLst>
+        </pc:spChg>
+        <pc:spChg chg="del">
+          <ac:chgData name="Gianni Molinari" userId="6f4fdafd7117f577" providerId="LiveId" clId="{3074E1E7-21EB-4AD0-B2A4-A7AA456F34DF}" dt="2022-06-03T08:32:25.634" v="1" actId="478"/>
+          <ac:spMkLst>
+            <pc:docMk/>
+            <pc:sldMk cId="1319094339" sldId="263"/>
+            <ac:spMk id="3" creationId="{2DFC11BE-6699-AAC5-BBC9-900CF0A5C94A}"/>
+          </ac:spMkLst>
+        </pc:spChg>
+      </pc:sldChg>
+      <pc:sldChg chg="addSp delSp modSp new mod">
+        <pc:chgData name="Gianni Molinari" userId="6f4fdafd7117f577" providerId="LiveId" clId="{3074E1E7-21EB-4AD0-B2A4-A7AA456F34DF}" dt="2022-06-03T08:33:39.191" v="38" actId="255"/>
+        <pc:sldMkLst>
+          <pc:docMk/>
+          <pc:sldMk cId="4230851101" sldId="264"/>
+        </pc:sldMkLst>
+        <pc:spChg chg="del">
+          <ac:chgData name="Gianni Molinari" userId="6f4fdafd7117f577" providerId="LiveId" clId="{3074E1E7-21EB-4AD0-B2A4-A7AA456F34DF}" dt="2022-06-03T08:33:06.051" v="30" actId="478"/>
+          <ac:spMkLst>
+            <pc:docMk/>
+            <pc:sldMk cId="4230851101" sldId="264"/>
+            <ac:spMk id="2" creationId="{4A27876C-F22E-E147-B9F3-E841FA48D24E}"/>
+          </ac:spMkLst>
+        </pc:spChg>
+        <pc:spChg chg="del">
+          <ac:chgData name="Gianni Molinari" userId="6f4fdafd7117f577" providerId="LiveId" clId="{3074E1E7-21EB-4AD0-B2A4-A7AA456F34DF}" dt="2022-06-03T08:32:53.873" v="26" actId="478"/>
+          <ac:spMkLst>
+            <pc:docMk/>
+            <pc:sldMk cId="4230851101" sldId="264"/>
+            <ac:spMk id="3" creationId="{A92344BF-8D12-FA74-F554-FEFE1DADE00B}"/>
+          </ac:spMkLst>
+        </pc:spChg>
+        <pc:spChg chg="add mod">
+          <ac:chgData name="Gianni Molinari" userId="6f4fdafd7117f577" providerId="LiveId" clId="{3074E1E7-21EB-4AD0-B2A4-A7AA456F34DF}" dt="2022-06-03T08:33:39.191" v="38" actId="255"/>
+          <ac:spMkLst>
+            <pc:docMk/>
+            <pc:sldMk cId="4230851101" sldId="264"/>
+            <ac:spMk id="4" creationId="{F1139ECB-2F55-C676-F810-08704D8DD026}"/>
+          </ac:spMkLst>
+        </pc:spChg>
+      </pc:sldChg>
+      <pc:sldChg chg="addSp delSp modSp new mod">
+        <pc:chgData name="Gianni Molinari" userId="6f4fdafd7117f577" providerId="LiveId" clId="{3074E1E7-21EB-4AD0-B2A4-A7AA456F34DF}" dt="2022-06-03T09:06:24.768" v="2183" actId="20577"/>
+        <pc:sldMkLst>
+          <pc:docMk/>
+          <pc:sldMk cId="1810422174" sldId="265"/>
+        </pc:sldMkLst>
+        <pc:spChg chg="del">
+          <ac:chgData name="Gianni Molinari" userId="6f4fdafd7117f577" providerId="LiveId" clId="{3074E1E7-21EB-4AD0-B2A4-A7AA456F34DF}" dt="2022-06-03T08:36:23.948" v="40" actId="478"/>
+          <ac:spMkLst>
+            <pc:docMk/>
+            <pc:sldMk cId="1810422174" sldId="265"/>
+            <ac:spMk id="2" creationId="{5B73F2B5-DA2A-96DA-D117-9C8C5CABC56D}"/>
+          </ac:spMkLst>
+        </pc:spChg>
+        <pc:spChg chg="del">
+          <ac:chgData name="Gianni Molinari" userId="6f4fdafd7117f577" providerId="LiveId" clId="{3074E1E7-21EB-4AD0-B2A4-A7AA456F34DF}" dt="2022-06-03T08:36:25.152" v="41" actId="478"/>
+          <ac:spMkLst>
+            <pc:docMk/>
+            <pc:sldMk cId="1810422174" sldId="265"/>
+            <ac:spMk id="3" creationId="{3196F92B-15DD-77FC-2C5B-A23F21E81AA7}"/>
+          </ac:spMkLst>
+        </pc:spChg>
+        <pc:spChg chg="add mod">
+          <ac:chgData name="Gianni Molinari" userId="6f4fdafd7117f577" providerId="LiveId" clId="{3074E1E7-21EB-4AD0-B2A4-A7AA456F34DF}" dt="2022-06-03T09:06:24.768" v="2183" actId="20577"/>
+          <ac:spMkLst>
+            <pc:docMk/>
+            <pc:sldMk cId="1810422174" sldId="265"/>
+            <ac:spMk id="6" creationId="{7F43333C-2DA9-929E-1726-5B2FED3ACF34}"/>
+          </ac:spMkLst>
+        </pc:spChg>
+        <pc:picChg chg="add del">
+          <ac:chgData name="Gianni Molinari" userId="6f4fdafd7117f577" providerId="LiveId" clId="{3074E1E7-21EB-4AD0-B2A4-A7AA456F34DF}" dt="2022-06-03T08:36:28.201" v="43" actId="22"/>
+          <ac:picMkLst>
+            <pc:docMk/>
+            <pc:sldMk cId="1810422174" sldId="265"/>
+            <ac:picMk id="5" creationId="{A6DFB8C1-BD94-AAC8-551D-534A2B9E90EB}"/>
+          </ac:picMkLst>
+        </pc:picChg>
+        <pc:picChg chg="add del mod">
+          <ac:chgData name="Gianni Molinari" userId="6f4fdafd7117f577" providerId="LiveId" clId="{3074E1E7-21EB-4AD0-B2A4-A7AA456F34DF}" dt="2022-06-03T08:42:02.790" v="439" actId="478"/>
+          <ac:picMkLst>
+            <pc:docMk/>
+            <pc:sldMk cId="1810422174" sldId="265"/>
+            <ac:picMk id="8" creationId="{590A6757-A9D9-DED6-DDBF-03896F71FCD2}"/>
+          </ac:picMkLst>
+        </pc:picChg>
+        <pc:picChg chg="add mod">
+          <ac:chgData name="Gianni Molinari" userId="6f4fdafd7117f577" providerId="LiveId" clId="{3074E1E7-21EB-4AD0-B2A4-A7AA456F34DF}" dt="2022-06-03T08:42:18.509" v="442" actId="1076"/>
+          <ac:picMkLst>
+            <pc:docMk/>
+            <pc:sldMk cId="1810422174" sldId="265"/>
+            <ac:picMk id="10" creationId="{49899B28-BFCD-7BC8-699E-E221D97BB432}"/>
+          </ac:picMkLst>
+        </pc:picChg>
+      </pc:sldChg>
+      <pc:sldChg chg="addSp delSp modSp new mod">
+        <pc:chgData name="Gianni Molinari" userId="6f4fdafd7117f577" providerId="LiveId" clId="{3074E1E7-21EB-4AD0-B2A4-A7AA456F34DF}" dt="2022-06-03T09:16:47.218" v="2581" actId="1076"/>
+        <pc:sldMkLst>
+          <pc:docMk/>
+          <pc:sldMk cId="1876091791" sldId="266"/>
+        </pc:sldMkLst>
+        <pc:spChg chg="del">
+          <ac:chgData name="Gianni Molinari" userId="6f4fdafd7117f577" providerId="LiveId" clId="{3074E1E7-21EB-4AD0-B2A4-A7AA456F34DF}" dt="2022-06-03T08:42:50.171" v="444" actId="478"/>
+          <ac:spMkLst>
+            <pc:docMk/>
+            <pc:sldMk cId="1876091791" sldId="266"/>
+            <ac:spMk id="2" creationId="{8A223B1A-3A47-FCF8-FB38-FF4AE3759F56}"/>
+          </ac:spMkLst>
+        </pc:spChg>
+        <pc:spChg chg="del mod">
+          <ac:chgData name="Gianni Molinari" userId="6f4fdafd7117f577" providerId="LiveId" clId="{3074E1E7-21EB-4AD0-B2A4-A7AA456F34DF}" dt="2022-06-03T08:43:00.192" v="446" actId="478"/>
+          <ac:spMkLst>
+            <pc:docMk/>
+            <pc:sldMk cId="1876091791" sldId="266"/>
+            <ac:spMk id="3" creationId="{B316DF1C-6411-373B-B354-657F32264F3E}"/>
+          </ac:spMkLst>
+        </pc:spChg>
+        <pc:spChg chg="add mod">
+          <ac:chgData name="Gianni Molinari" userId="6f4fdafd7117f577" providerId="LiveId" clId="{3074E1E7-21EB-4AD0-B2A4-A7AA456F34DF}" dt="2022-06-03T09:09:06.978" v="2340" actId="20577"/>
+          <ac:spMkLst>
+            <pc:docMk/>
+            <pc:sldMk cId="1876091791" sldId="266"/>
+            <ac:spMk id="4" creationId="{3FEB7F7D-A23A-7486-44C2-325B5417A5F9}"/>
+          </ac:spMkLst>
+        </pc:spChg>
+        <pc:spChg chg="add del">
+          <ac:chgData name="Gianni Molinari" userId="6f4fdafd7117f577" providerId="LiveId" clId="{3074E1E7-21EB-4AD0-B2A4-A7AA456F34DF}" dt="2022-06-03T08:48:54.249" v="797"/>
+          <ac:spMkLst>
+            <pc:docMk/>
+            <pc:sldMk cId="1876091791" sldId="266"/>
+            <ac:spMk id="7" creationId="{C85BD139-9649-EB76-64DE-5CC050D93AE4}"/>
+          </ac:spMkLst>
+        </pc:spChg>
+        <pc:spChg chg="add del mod">
+          <ac:chgData name="Gianni Molinari" userId="6f4fdafd7117f577" providerId="LiveId" clId="{3074E1E7-21EB-4AD0-B2A4-A7AA456F34DF}" dt="2022-06-03T08:49:02.397" v="801"/>
+          <ac:spMkLst>
+            <pc:docMk/>
+            <pc:sldMk cId="1876091791" sldId="266"/>
+            <ac:spMk id="8" creationId="{3CCBB119-95B8-6068-7C4E-6498BBEFDC06}"/>
+          </ac:spMkLst>
+        </pc:spChg>
+        <pc:spChg chg="add del mod">
+          <ac:chgData name="Gianni Molinari" userId="6f4fdafd7117f577" providerId="LiveId" clId="{3074E1E7-21EB-4AD0-B2A4-A7AA456F34DF}" dt="2022-06-03T08:49:37.012" v="816" actId="478"/>
+          <ac:spMkLst>
+            <pc:docMk/>
+            <pc:sldMk cId="1876091791" sldId="266"/>
+            <ac:spMk id="9" creationId="{C1681028-0B25-F3FD-B3E6-EDAE4E411FAD}"/>
+          </ac:spMkLst>
+        </pc:spChg>
+        <pc:spChg chg="add del">
+          <ac:chgData name="Gianni Molinari" userId="6f4fdafd7117f577" providerId="LiveId" clId="{3074E1E7-21EB-4AD0-B2A4-A7AA456F34DF}" dt="2022-06-03T09:01:02.905" v="1742"/>
+          <ac:spMkLst>
+            <pc:docMk/>
+            <pc:sldMk cId="1876091791" sldId="266"/>
+            <ac:spMk id="12" creationId="{CDE26738-7188-C7DA-836A-F1683F28B57F}"/>
+          </ac:spMkLst>
+        </pc:spChg>
+        <pc:spChg chg="add del">
+          <ac:chgData name="Gianni Molinari" userId="6f4fdafd7117f577" providerId="LiveId" clId="{3074E1E7-21EB-4AD0-B2A4-A7AA456F34DF}" dt="2022-06-03T09:01:21.064" v="1749" actId="478"/>
+          <ac:spMkLst>
+            <pc:docMk/>
+            <pc:sldMk cId="1876091791" sldId="266"/>
+            <ac:spMk id="13" creationId="{7A3218DB-EB66-7BF7-0146-473C69677049}"/>
+          </ac:spMkLst>
+        </pc:spChg>
+        <pc:spChg chg="add mod">
+          <ac:chgData name="Gianni Molinari" userId="6f4fdafd7117f577" providerId="LiveId" clId="{3074E1E7-21EB-4AD0-B2A4-A7AA456F34DF}" dt="2022-06-03T09:16:47.218" v="2581" actId="1076"/>
+          <ac:spMkLst>
+            <pc:docMk/>
+            <pc:sldMk cId="1876091791" sldId="266"/>
+            <ac:spMk id="16" creationId="{F4B3D6EF-A63D-8E36-99B0-1E6F7F948FBE}"/>
+          </ac:spMkLst>
+        </pc:spChg>
+        <pc:picChg chg="add mod">
+          <ac:chgData name="Gianni Molinari" userId="6f4fdafd7117f577" providerId="LiveId" clId="{3074E1E7-21EB-4AD0-B2A4-A7AA456F34DF}" dt="2022-06-03T09:02:56.083" v="1778" actId="1076"/>
+          <ac:picMkLst>
+            <pc:docMk/>
+            <pc:sldMk cId="1876091791" sldId="266"/>
+            <ac:picMk id="6" creationId="{91DF237A-8E7B-F38F-DD38-A851A0C78E0F}"/>
+          </ac:picMkLst>
+        </pc:picChg>
+        <pc:picChg chg="add del mod">
+          <ac:chgData name="Gianni Molinari" userId="6f4fdafd7117f577" providerId="LiveId" clId="{3074E1E7-21EB-4AD0-B2A4-A7AA456F34DF}" dt="2022-06-03T09:02:30.794" v="1773" actId="478"/>
+          <ac:picMkLst>
+            <pc:docMk/>
+            <pc:sldMk cId="1876091791" sldId="266"/>
+            <ac:picMk id="11" creationId="{5AF8211B-EA89-0EE4-72F6-28158DAE75AA}"/>
+          </ac:picMkLst>
+        </pc:picChg>
+        <pc:picChg chg="add mod">
+          <ac:chgData name="Gianni Molinari" userId="6f4fdafd7117f577" providerId="LiveId" clId="{3074E1E7-21EB-4AD0-B2A4-A7AA456F34DF}" dt="2022-06-03T09:16:24.871" v="2570" actId="1076"/>
+          <ac:picMkLst>
+            <pc:docMk/>
+            <pc:sldMk cId="1876091791" sldId="266"/>
+            <ac:picMk id="15" creationId="{1FEC4AFE-5B5D-AB03-033B-859756A337AA}"/>
+          </ac:picMkLst>
+        </pc:picChg>
+      </pc:sldChg>
+      <pc:sldChg chg="addSp delSp modSp new mod">
+        <pc:chgData name="Gianni Molinari" userId="6f4fdafd7117f577" providerId="LiveId" clId="{3074E1E7-21EB-4AD0-B2A4-A7AA456F34DF}" dt="2022-06-03T09:13:44.205" v="2560" actId="1076"/>
+        <pc:sldMkLst>
+          <pc:docMk/>
+          <pc:sldMk cId="1749378893" sldId="267"/>
+        </pc:sldMkLst>
+        <pc:spChg chg="del">
+          <ac:chgData name="Gianni Molinari" userId="6f4fdafd7117f577" providerId="LiveId" clId="{3074E1E7-21EB-4AD0-B2A4-A7AA456F34DF}" dt="2022-06-03T09:01:40.946" v="1759" actId="478"/>
+          <ac:spMkLst>
+            <pc:docMk/>
+            <pc:sldMk cId="1749378893" sldId="267"/>
+            <ac:spMk id="2" creationId="{62046C82-6D76-D9F8-26F7-ABD9DE56B80B}"/>
+          </ac:spMkLst>
+        </pc:spChg>
+        <pc:spChg chg="del">
+          <ac:chgData name="Gianni Molinari" userId="6f4fdafd7117f577" providerId="LiveId" clId="{3074E1E7-21EB-4AD0-B2A4-A7AA456F34DF}" dt="2022-06-03T09:01:39.742" v="1758" actId="478"/>
+          <ac:spMkLst>
+            <pc:docMk/>
+            <pc:sldMk cId="1749378893" sldId="267"/>
+            <ac:spMk id="3" creationId="{E755D561-5E48-A32C-25FF-0723746A1E3D}"/>
+          </ac:spMkLst>
+        </pc:spChg>
+        <pc:spChg chg="add mod">
+          <ac:chgData name="Gianni Molinari" userId="6f4fdafd7117f577" providerId="LiveId" clId="{3074E1E7-21EB-4AD0-B2A4-A7AA456F34DF}" dt="2022-06-03T09:13:38.599" v="2558" actId="1076"/>
+          <ac:spMkLst>
+            <pc:docMk/>
+            <pc:sldMk cId="1749378893" sldId="267"/>
+            <ac:spMk id="4" creationId="{075AE6B5-65E0-E733-74A3-9199D38BC617}"/>
+          </ac:spMkLst>
+        </pc:spChg>
+        <pc:picChg chg="add mod">
+          <ac:chgData name="Gianni Molinari" userId="6f4fdafd7117f577" providerId="LiveId" clId="{3074E1E7-21EB-4AD0-B2A4-A7AA456F34DF}" dt="2022-06-03T09:13:44.205" v="2560" actId="1076"/>
+          <ac:picMkLst>
+            <pc:docMk/>
+            <pc:sldMk cId="1749378893" sldId="267"/>
+            <ac:picMk id="5" creationId="{B831AC92-3285-F409-D6C1-7398C1E77FF4}"/>
+          </ac:picMkLst>
+        </pc:picChg>
+        <pc:picChg chg="add mod">
+          <ac:chgData name="Gianni Molinari" userId="6f4fdafd7117f577" providerId="LiveId" clId="{3074E1E7-21EB-4AD0-B2A4-A7AA456F34DF}" dt="2022-06-03T09:13:41.680" v="2559" actId="1076"/>
+          <ac:picMkLst>
+            <pc:docMk/>
+            <pc:sldMk cId="1749378893" sldId="267"/>
+            <ac:picMk id="6" creationId="{3DFE36B1-B99D-1F85-B2BA-E5E08AD668E7}"/>
+          </ac:picMkLst>
+        </pc:picChg>
+      </pc:sldChg>
+      <pc:sldChg chg="addSp delSp modSp new mod">
+        <pc:chgData name="Gianni Molinari" userId="6f4fdafd7117f577" providerId="LiveId" clId="{3074E1E7-21EB-4AD0-B2A4-A7AA456F34DF}" dt="2022-06-03T09:18:44.227" v="2662" actId="20577"/>
+        <pc:sldMkLst>
+          <pc:docMk/>
+          <pc:sldMk cId="273198753" sldId="268"/>
+        </pc:sldMkLst>
+        <pc:spChg chg="del">
+          <ac:chgData name="Gianni Molinari" userId="6f4fdafd7117f577" providerId="LiveId" clId="{3074E1E7-21EB-4AD0-B2A4-A7AA456F34DF}" dt="2022-06-03T09:13:09.713" v="2544" actId="478"/>
+          <ac:spMkLst>
+            <pc:docMk/>
+            <pc:sldMk cId="273198753" sldId="268"/>
+            <ac:spMk id="2" creationId="{3E4A53BB-8F59-2AA9-06E4-1A8B4DCF62AF}"/>
+          </ac:spMkLst>
+        </pc:spChg>
+        <pc:spChg chg="del">
+          <ac:chgData name="Gianni Molinari" userId="6f4fdafd7117f577" providerId="LiveId" clId="{3074E1E7-21EB-4AD0-B2A4-A7AA456F34DF}" dt="2022-06-03T09:13:08.640" v="2543" actId="478"/>
+          <ac:spMkLst>
+            <pc:docMk/>
+            <pc:sldMk cId="273198753" sldId="268"/>
+            <ac:spMk id="3" creationId="{C0570CCA-A530-2BF2-DE12-FB1EEEEBD1A9}"/>
+          </ac:spMkLst>
+        </pc:spChg>
+        <pc:spChg chg="add mod">
+          <ac:chgData name="Gianni Molinari" userId="6f4fdafd7117f577" providerId="LiveId" clId="{3074E1E7-21EB-4AD0-B2A4-A7AA456F34DF}" dt="2022-06-03T09:18:44.227" v="2662" actId="20577"/>
+          <ac:spMkLst>
+            <pc:docMk/>
+            <pc:sldMk cId="273198753" sldId="268"/>
+            <ac:spMk id="4" creationId="{EBD0AD3F-C203-BB3E-CC50-AAD5A8DA5DEE}"/>
+          </ac:spMkLst>
+        </pc:spChg>
+        <pc:picChg chg="add mod">
+          <ac:chgData name="Gianni Molinari" userId="6f4fdafd7117f577" providerId="LiveId" clId="{3074E1E7-21EB-4AD0-B2A4-A7AA456F34DF}" dt="2022-06-03T09:14:36.435" v="2563" actId="1076"/>
+          <ac:picMkLst>
+            <pc:docMk/>
+            <pc:sldMk cId="273198753" sldId="268"/>
+            <ac:picMk id="6" creationId="{FB2E6700-728D-AED8-1CF3-E5B7AD5CE9F7}"/>
+          </ac:picMkLst>
+        </pc:picChg>
+        <pc:picChg chg="add mod">
+          <ac:chgData name="Gianni Molinari" userId="6f4fdafd7117f577" providerId="LiveId" clId="{3074E1E7-21EB-4AD0-B2A4-A7AA456F34DF}" dt="2022-06-03T09:14:58.073" v="2569" actId="1076"/>
+          <ac:picMkLst>
+            <pc:docMk/>
+            <pc:sldMk cId="273198753" sldId="268"/>
+            <ac:picMk id="8" creationId="{26E5DD8D-890C-F7C4-E069-802FB56B1708}"/>
+          </ac:picMkLst>
+        </pc:picChg>
+      </pc:sldChg>
+    </pc:docChg>
+  </pc:docChgLst>
+</pc:chgInfo>
 </file>
 
 <file path=ppt/slideLayouts/slideLayout1.xml><?xml version="1.0" encoding="utf-8"?>
@@ -260,7 +599,7 @@
           <a:p>
             <a:fld id="{B64B7556-49F2-4736-B3F9-00EDF3B414DB}" type="datetimeFigureOut">
               <a:rPr lang="it-IT" smtClean="0"/>
-              <a:t>02/06/2022</a:t>
+              <a:t>03/06/2022</a:t>
             </a:fld>
             <a:endParaRPr lang="it-IT"/>
           </a:p>
@@ -458,7 +797,7 @@
           <a:p>
             <a:fld id="{B64B7556-49F2-4736-B3F9-00EDF3B414DB}" type="datetimeFigureOut">
               <a:rPr lang="it-IT" smtClean="0"/>
-              <a:t>02/06/2022</a:t>
+              <a:t>03/06/2022</a:t>
             </a:fld>
             <a:endParaRPr lang="it-IT"/>
           </a:p>
@@ -666,7 +1005,7 @@
           <a:p>
             <a:fld id="{B64B7556-49F2-4736-B3F9-00EDF3B414DB}" type="datetimeFigureOut">
               <a:rPr lang="it-IT" smtClean="0"/>
-              <a:t>02/06/2022</a:t>
+              <a:t>03/06/2022</a:t>
             </a:fld>
             <a:endParaRPr lang="it-IT"/>
           </a:p>
@@ -864,7 +1203,7 @@
           <a:p>
             <a:fld id="{B64B7556-49F2-4736-B3F9-00EDF3B414DB}" type="datetimeFigureOut">
               <a:rPr lang="it-IT" smtClean="0"/>
-              <a:t>02/06/2022</a:t>
+              <a:t>03/06/2022</a:t>
             </a:fld>
             <a:endParaRPr lang="it-IT"/>
           </a:p>
@@ -1139,7 +1478,7 @@
           <a:p>
             <a:fld id="{B64B7556-49F2-4736-B3F9-00EDF3B414DB}" type="datetimeFigureOut">
               <a:rPr lang="it-IT" smtClean="0"/>
-              <a:t>02/06/2022</a:t>
+              <a:t>03/06/2022</a:t>
             </a:fld>
             <a:endParaRPr lang="it-IT"/>
           </a:p>
@@ -1404,7 +1743,7 @@
           <a:p>
             <a:fld id="{B64B7556-49F2-4736-B3F9-00EDF3B414DB}" type="datetimeFigureOut">
               <a:rPr lang="it-IT" smtClean="0"/>
-              <a:t>02/06/2022</a:t>
+              <a:t>03/06/2022</a:t>
             </a:fld>
             <a:endParaRPr lang="it-IT"/>
           </a:p>
@@ -1816,7 +2155,7 @@
           <a:p>
             <a:fld id="{B64B7556-49F2-4736-B3F9-00EDF3B414DB}" type="datetimeFigureOut">
               <a:rPr lang="it-IT" smtClean="0"/>
-              <a:t>02/06/2022</a:t>
+              <a:t>03/06/2022</a:t>
             </a:fld>
             <a:endParaRPr lang="it-IT"/>
           </a:p>
@@ -1957,7 +2296,7 @@
           <a:p>
             <a:fld id="{B64B7556-49F2-4736-B3F9-00EDF3B414DB}" type="datetimeFigureOut">
               <a:rPr lang="it-IT" smtClean="0"/>
-              <a:t>02/06/2022</a:t>
+              <a:t>03/06/2022</a:t>
             </a:fld>
             <a:endParaRPr lang="it-IT"/>
           </a:p>
@@ -2070,7 +2409,7 @@
           <a:p>
             <a:fld id="{B64B7556-49F2-4736-B3F9-00EDF3B414DB}" type="datetimeFigureOut">
               <a:rPr lang="it-IT" smtClean="0"/>
-              <a:t>02/06/2022</a:t>
+              <a:t>03/06/2022</a:t>
             </a:fld>
             <a:endParaRPr lang="it-IT"/>
           </a:p>
@@ -2381,7 +2720,7 @@
           <a:p>
             <a:fld id="{B64B7556-49F2-4736-B3F9-00EDF3B414DB}" type="datetimeFigureOut">
               <a:rPr lang="it-IT" smtClean="0"/>
-              <a:t>02/06/2022</a:t>
+              <a:t>03/06/2022</a:t>
             </a:fld>
             <a:endParaRPr lang="it-IT"/>
           </a:p>
@@ -2669,7 +3008,7 @@
           <a:p>
             <a:fld id="{B64B7556-49F2-4736-B3F9-00EDF3B414DB}" type="datetimeFigureOut">
               <a:rPr lang="it-IT" smtClean="0"/>
-              <a:t>02/06/2022</a:t>
+              <a:t>03/06/2022</a:t>
             </a:fld>
             <a:endParaRPr lang="it-IT"/>
           </a:p>
@@ -2910,7 +3249,7 @@
           <a:p>
             <a:fld id="{B64B7556-49F2-4736-B3F9-00EDF3B414DB}" type="datetimeFigureOut">
               <a:rPr lang="it-IT" smtClean="0"/>
-              <a:t>02/06/2022</a:t>
+              <a:t>03/06/2022</a:t>
             </a:fld>
             <a:endParaRPr lang="it-IT"/>
           </a:p>
@@ -3424,301 +3763,7 @@
 </p:sld>
 </file>
 
-<file path=ppt/slides/slide2.xml><?xml version="1.0" encoding="utf-8"?>
-<p:sld xmlns:a="http://schemas.openxmlformats.org/drawingml/2006/main" xmlns:r="http://schemas.openxmlformats.org/officeDocument/2006/relationships" xmlns:p="http://schemas.openxmlformats.org/presentationml/2006/main">
-  <p:cSld>
-    <p:spTree>
-      <p:nvGrpSpPr>
-        <p:cNvPr id="1" name=""/>
-        <p:cNvGrpSpPr/>
-        <p:nvPr/>
-      </p:nvGrpSpPr>
-      <p:grpSpPr>
-        <a:xfrm>
-          <a:off x="0" y="0"/>
-          <a:ext cx="0" cy="0"/>
-          <a:chOff x="0" y="0"/>
-          <a:chExt cx="0" cy="0"/>
-        </a:xfrm>
-      </p:grpSpPr>
-      <p:sp>
-        <p:nvSpPr>
-          <p:cNvPr id="4" name="Segnaposto testo 3">
-            <a:extLst>
-              <a:ext uri="{FF2B5EF4-FFF2-40B4-BE49-F238E27FC236}">
-                <a16:creationId xmlns:a16="http://schemas.microsoft.com/office/drawing/2014/main" id="{AB3CA44D-BD4D-4ADF-BEA5-2C092E8C41A9}"/>
-              </a:ext>
-            </a:extLst>
-          </p:cNvPr>
-          <p:cNvSpPr>
-            <a:spLocks noGrp="1"/>
-          </p:cNvSpPr>
-          <p:nvPr>
-            <p:ph type="body" sz="half" idx="2"/>
-          </p:nvPr>
-        </p:nvSpPr>
-        <p:spPr>
-          <a:xfrm>
-            <a:off x="1425714" y="1460349"/>
-            <a:ext cx="3932237" cy="3690314"/>
-          </a:xfrm>
-        </p:spPr>
-        <p:txBody>
-          <a:bodyPr>
-            <a:normAutofit/>
-          </a:bodyPr>
-          <a:lstStyle/>
-          <a:p>
-            <a:r>
-              <a:rPr lang="it-IT" sz="2000" dirty="0"/>
-              <a:t>Il progetto di </a:t>
-            </a:r>
-            <a:r>
-              <a:rPr lang="it-IT" sz="2000" dirty="0" err="1"/>
-              <a:t>clingo</a:t>
-            </a:r>
-            <a:r>
-              <a:rPr lang="it-IT" sz="2000" dirty="0"/>
-              <a:t> richiedeva la generazione di un calendario per un campionato di calcio composto da 20 squadre e 38 giornate 19 di andata e 19 di ritorno e dovevano essere rispettati dei vincoli per la generazione del calendario</a:t>
-            </a:r>
-          </a:p>
-          <a:p>
-            <a:endParaRPr lang="it-IT" sz="2000" dirty="0"/>
-          </a:p>
-          <a:p>
-            <a:r>
-              <a:rPr lang="it-IT" sz="2000" dirty="0"/>
-              <a:t>È stato preso come esempio il campionato italiano composto per l’appunto da 20 squadre appartenenti alle rispettive citta</a:t>
-            </a:r>
-          </a:p>
-        </p:txBody>
-      </p:sp>
-      <p:pic>
-        <p:nvPicPr>
-          <p:cNvPr id="10" name="Segnaposto contenuto 9">
-            <a:extLst>
-              <a:ext uri="{FF2B5EF4-FFF2-40B4-BE49-F238E27FC236}">
-                <a16:creationId xmlns:a16="http://schemas.microsoft.com/office/drawing/2014/main" id="{4007B781-F224-4AF1-B522-52FDB5D03CDE}"/>
-              </a:ext>
-            </a:extLst>
-          </p:cNvPr>
-          <p:cNvPicPr>
-            <a:picLocks noGrp="1" noChangeAspect="1"/>
-          </p:cNvPicPr>
-          <p:nvPr>
-            <p:ph idx="1"/>
-          </p:nvPr>
-        </p:nvPicPr>
-        <p:blipFill>
-          <a:blip r:embed="rId2"/>
-          <a:stretch>
-            <a:fillRect/>
-          </a:stretch>
-        </p:blipFill>
-        <p:spPr>
-          <a:xfrm>
-            <a:off x="7359588" y="1215699"/>
-            <a:ext cx="3018409" cy="5033749"/>
-          </a:xfrm>
-        </p:spPr>
-      </p:pic>
-    </p:spTree>
-    <p:extLst>
-      <p:ext uri="{BB962C8B-B14F-4D97-AF65-F5344CB8AC3E}">
-        <p14:creationId xmlns:p14="http://schemas.microsoft.com/office/powerpoint/2010/main" val="1392999892"/>
-      </p:ext>
-    </p:extLst>
-  </p:cSld>
-  <p:clrMapOvr>
-    <a:masterClrMapping/>
-  </p:clrMapOvr>
-</p:sld>
-</file>
-
-<file path=ppt/slides/slide3.xml><?xml version="1.0" encoding="utf-8"?>
-<p:sld xmlns:a="http://schemas.openxmlformats.org/drawingml/2006/main" xmlns:r="http://schemas.openxmlformats.org/officeDocument/2006/relationships" xmlns:p="http://schemas.openxmlformats.org/presentationml/2006/main">
-  <p:cSld>
-    <p:spTree>
-      <p:nvGrpSpPr>
-        <p:cNvPr id="1" name=""/>
-        <p:cNvGrpSpPr/>
-        <p:nvPr/>
-      </p:nvGrpSpPr>
-      <p:grpSpPr>
-        <a:xfrm>
-          <a:off x="0" y="0"/>
-          <a:ext cx="0" cy="0"/>
-          <a:chOff x="0" y="0"/>
-          <a:chExt cx="0" cy="0"/>
-        </a:xfrm>
-      </p:grpSpPr>
-      <p:sp>
-        <p:nvSpPr>
-          <p:cNvPr id="4" name="Segnaposto testo 3">
-            <a:extLst>
-              <a:ext uri="{FF2B5EF4-FFF2-40B4-BE49-F238E27FC236}">
-                <a16:creationId xmlns:a16="http://schemas.microsoft.com/office/drawing/2014/main" id="{A88B8DB6-56FA-4741-9ACE-9BB25C32EF1D}"/>
-              </a:ext>
-            </a:extLst>
-          </p:cNvPr>
-          <p:cNvSpPr>
-            <a:spLocks noGrp="1"/>
-          </p:cNvSpPr>
-          <p:nvPr>
-            <p:ph type="body" sz="half" idx="2"/>
-          </p:nvPr>
-        </p:nvSpPr>
-        <p:spPr>
-          <a:xfrm>
-            <a:off x="322555" y="428081"/>
-            <a:ext cx="3932237" cy="3984122"/>
-          </a:xfrm>
-        </p:spPr>
-        <p:txBody>
-          <a:bodyPr>
-            <a:noAutofit/>
-          </a:bodyPr>
-          <a:lstStyle/>
-          <a:p>
-            <a:r>
-              <a:rPr lang="it-IT" sz="1700" dirty="0"/>
-              <a:t>Ogni città offre uno stadio che viene assegnato alla squadra di appartenenza in cui giocherà durante il campionato le partite in casa</a:t>
-            </a:r>
-          </a:p>
-          <a:p>
-            <a:r>
-              <a:rPr lang="it-IT" sz="1700" dirty="0"/>
-              <a:t>Generiamo le partite che saranno 10 per ogni giornata di andata e 10 per ogni giornata di ritorno, andando a specificare che:</a:t>
-            </a:r>
-          </a:p>
-          <a:p>
-            <a:pPr marL="285750" indent="-285750">
-              <a:buFont typeface="Arial" panose="020B0604020202020204" pitchFamily="34" charset="0"/>
-              <a:buChar char="•"/>
-            </a:pPr>
-            <a:r>
-              <a:rPr lang="it-IT" sz="1700" dirty="0"/>
-              <a:t>non ci possono essere due partite uguali o a campi invertiti nella stessa giornata o in giornate diverse</a:t>
-            </a:r>
-          </a:p>
-          <a:p>
-            <a:pPr marL="285750" indent="-285750">
-              <a:buFont typeface="Arial" panose="020B0604020202020204" pitchFamily="34" charset="0"/>
-              <a:buChar char="•"/>
-            </a:pPr>
-            <a:r>
-              <a:rPr lang="it-IT" sz="1700" dirty="0"/>
-              <a:t>due squadre della stessa città non possono giocare entrambe in casa durante la medesima giornata di andata o di ritorno perché condividono lo stesso sta</a:t>
-            </a:r>
-          </a:p>
-        </p:txBody>
-      </p:sp>
-      <p:pic>
-        <p:nvPicPr>
-          <p:cNvPr id="5" name="Segnaposto contenuto 4">
-            <a:extLst>
-              <a:ext uri="{FF2B5EF4-FFF2-40B4-BE49-F238E27FC236}">
-                <a16:creationId xmlns:a16="http://schemas.microsoft.com/office/drawing/2014/main" id="{61E82DDB-7392-481D-851D-E4CC390403E4}"/>
-              </a:ext>
-            </a:extLst>
-          </p:cNvPr>
-          <p:cNvPicPr>
-            <a:picLocks noGrp="1" noChangeAspect="1"/>
-          </p:cNvPicPr>
-          <p:nvPr>
-            <p:ph idx="1"/>
-          </p:nvPr>
-        </p:nvPicPr>
-        <p:blipFill>
-          <a:blip r:embed="rId2"/>
-          <a:stretch>
-            <a:fillRect/>
-          </a:stretch>
-        </p:blipFill>
-        <p:spPr>
-          <a:xfrm>
-            <a:off x="5086905" y="765684"/>
-            <a:ext cx="6774235" cy="3293629"/>
-          </a:xfrm>
-          <a:prstGeom prst="rect">
-            <a:avLst/>
-          </a:prstGeom>
-        </p:spPr>
-      </p:pic>
-      <p:pic>
-        <p:nvPicPr>
-          <p:cNvPr id="7" name="Immagine 6">
-            <a:extLst>
-              <a:ext uri="{FF2B5EF4-FFF2-40B4-BE49-F238E27FC236}">
-                <a16:creationId xmlns:a16="http://schemas.microsoft.com/office/drawing/2014/main" id="{E3214018-4412-45FE-ACAA-0DA0BD6C32BA}"/>
-              </a:ext>
-            </a:extLst>
-          </p:cNvPr>
-          <p:cNvPicPr>
-            <a:picLocks noChangeAspect="1"/>
-          </p:cNvPicPr>
-          <p:nvPr/>
-        </p:nvPicPr>
-        <p:blipFill>
-          <a:blip r:embed="rId3"/>
-          <a:stretch>
-            <a:fillRect/>
-          </a:stretch>
-        </p:blipFill>
-        <p:spPr>
-          <a:xfrm>
-            <a:off x="2919167" y="4559043"/>
-            <a:ext cx="8950278" cy="741194"/>
-          </a:xfrm>
-          <a:prstGeom prst="rect">
-            <a:avLst/>
-          </a:prstGeom>
-        </p:spPr>
-      </p:pic>
-      <p:pic>
-        <p:nvPicPr>
-          <p:cNvPr id="9" name="Immagine 8">
-            <a:extLst>
-              <a:ext uri="{FF2B5EF4-FFF2-40B4-BE49-F238E27FC236}">
-                <a16:creationId xmlns:a16="http://schemas.microsoft.com/office/drawing/2014/main" id="{E63B12B5-FF74-4899-A695-26C932E1C9C8}"/>
-              </a:ext>
-            </a:extLst>
-          </p:cNvPr>
-          <p:cNvPicPr>
-            <a:picLocks noChangeAspect="1"/>
-          </p:cNvPicPr>
-          <p:nvPr/>
-        </p:nvPicPr>
-        <p:blipFill>
-          <a:blip r:embed="rId4"/>
-          <a:stretch>
-            <a:fillRect/>
-          </a:stretch>
-        </p:blipFill>
-        <p:spPr>
-          <a:xfrm>
-            <a:off x="2919168" y="5799967"/>
-            <a:ext cx="8950278" cy="786685"/>
-          </a:xfrm>
-          <a:prstGeom prst="rect">
-            <a:avLst/>
-          </a:prstGeom>
-        </p:spPr>
-      </p:pic>
-    </p:spTree>
-    <p:extLst>
-      <p:ext uri="{BB962C8B-B14F-4D97-AF65-F5344CB8AC3E}">
-        <p14:creationId xmlns:p14="http://schemas.microsoft.com/office/powerpoint/2010/main" val="3735282083"/>
-      </p:ext>
-    </p:extLst>
-  </p:cSld>
-  <p:clrMapOvr>
-    <a:masterClrMapping/>
-  </p:clrMapOvr>
-</p:sld>
-</file>
-
-<file path=ppt/slides/slide4.xml><?xml version="1.0" encoding="utf-8"?>
+<file path=ppt/slides/slide10.xml><?xml version="1.0" encoding="utf-8"?>
 <p:sld xmlns:a="http://schemas.openxmlformats.org/drawingml/2006/main" xmlns:r="http://schemas.openxmlformats.org/officeDocument/2006/relationships" xmlns:p="http://schemas.openxmlformats.org/presentationml/2006/main">
   <p:cSld>
     <p:spTree>
@@ -3974,7 +4019,7 @@
 </p:sld>
 </file>
 
-<file path=ppt/slides/slide5.xml><?xml version="1.0" encoding="utf-8"?>
+<file path=ppt/slides/slide11.xml><?xml version="1.0" encoding="utf-8"?>
 <p:sld xmlns:a="http://schemas.openxmlformats.org/drawingml/2006/main" xmlns:r="http://schemas.openxmlformats.org/officeDocument/2006/relationships" xmlns:p="http://schemas.openxmlformats.org/presentationml/2006/main">
   <p:cSld>
     <p:spTree>
@@ -4166,7 +4211,7 @@
 </p:sld>
 </file>
 
-<file path=ppt/slides/slide6.xml><?xml version="1.0" encoding="utf-8"?>
+<file path=ppt/slides/slide12.xml><?xml version="1.0" encoding="utf-8"?>
 <p:sld xmlns:a="http://schemas.openxmlformats.org/drawingml/2006/main" xmlns:r="http://schemas.openxmlformats.org/officeDocument/2006/relationships" xmlns:p="http://schemas.openxmlformats.org/presentationml/2006/main">
   <p:cSld>
     <p:spTree>
@@ -4226,7 +4271,7 @@
 </p:sld>
 </file>
 
-<file path=ppt/slides/slide7.xml><?xml version="1.0" encoding="utf-8"?>
+<file path=ppt/slides/slide13.xml><?xml version="1.0" encoding="utf-8"?>
 <p:sld xmlns:a="http://schemas.openxmlformats.org/drawingml/2006/main" xmlns:r="http://schemas.openxmlformats.org/officeDocument/2006/relationships" xmlns:p="http://schemas.openxmlformats.org/presentationml/2006/main">
   <p:cSld>
     <p:spTree>
@@ -4277,6 +4322,1745 @@
     <p:extLst>
       <p:ext uri="{BB962C8B-B14F-4D97-AF65-F5344CB8AC3E}">
         <p14:creationId xmlns:p14="http://schemas.microsoft.com/office/powerpoint/2010/main" val="3761089893"/>
+      </p:ext>
+    </p:extLst>
+  </p:cSld>
+  <p:clrMapOvr>
+    <a:masterClrMapping/>
+  </p:clrMapOvr>
+</p:sld>
+</file>
+
+<file path=ppt/slides/slide2.xml><?xml version="1.0" encoding="utf-8"?>
+<p:sld xmlns:a="http://schemas.openxmlformats.org/drawingml/2006/main" xmlns:r="http://schemas.openxmlformats.org/officeDocument/2006/relationships" xmlns:p="http://schemas.openxmlformats.org/presentationml/2006/main">
+  <p:cSld>
+    <p:spTree>
+      <p:nvGrpSpPr>
+        <p:cNvPr id="1" name=""/>
+        <p:cNvGrpSpPr/>
+        <p:nvPr/>
+      </p:nvGrpSpPr>
+      <p:grpSpPr>
+        <a:xfrm>
+          <a:off x="0" y="0"/>
+          <a:ext cx="0" cy="0"/>
+          <a:chOff x="0" y="0"/>
+          <a:chExt cx="0" cy="0"/>
+        </a:xfrm>
+      </p:grpSpPr>
+      <p:sp>
+        <p:nvSpPr>
+          <p:cNvPr id="2" name="Titolo 1">
+            <a:extLst>
+              <a:ext uri="{FF2B5EF4-FFF2-40B4-BE49-F238E27FC236}">
+                <a16:creationId xmlns:a16="http://schemas.microsoft.com/office/drawing/2014/main" id="{A241AEA7-17CD-8064-48F0-1B1B9C815363}"/>
+              </a:ext>
+            </a:extLst>
+          </p:cNvPr>
+          <p:cNvSpPr>
+            <a:spLocks noGrp="1"/>
+          </p:cNvSpPr>
+          <p:nvPr>
+            <p:ph type="ctrTitle"/>
+          </p:nvPr>
+        </p:nvSpPr>
+        <p:spPr>
+          <a:xfrm>
+            <a:off x="1524000" y="2939601"/>
+            <a:ext cx="9144000" cy="978798"/>
+          </a:xfrm>
+        </p:spPr>
+        <p:txBody>
+          <a:bodyPr/>
+          <a:lstStyle/>
+          <a:p>
+            <a:r>
+              <a:rPr lang="it-IT" dirty="0" err="1"/>
+              <a:t>Prolog</a:t>
+            </a:r>
+            <a:endParaRPr lang="it-IT" dirty="0"/>
+          </a:p>
+        </p:txBody>
+      </p:sp>
+    </p:spTree>
+    <p:extLst>
+      <p:ext uri="{BB962C8B-B14F-4D97-AF65-F5344CB8AC3E}">
+        <p14:creationId xmlns:p14="http://schemas.microsoft.com/office/powerpoint/2010/main" val="1319094339"/>
+      </p:ext>
+    </p:extLst>
+  </p:cSld>
+  <p:clrMapOvr>
+    <a:masterClrMapping/>
+  </p:clrMapOvr>
+</p:sld>
+</file>
+
+<file path=ppt/slides/slide3.xml><?xml version="1.0" encoding="utf-8"?>
+<p:sld xmlns:a="http://schemas.openxmlformats.org/drawingml/2006/main" xmlns:r="http://schemas.openxmlformats.org/officeDocument/2006/relationships" xmlns:p="http://schemas.openxmlformats.org/presentationml/2006/main">
+  <p:cSld>
+    <p:spTree>
+      <p:nvGrpSpPr>
+        <p:cNvPr id="1" name=""/>
+        <p:cNvGrpSpPr/>
+        <p:nvPr/>
+      </p:nvGrpSpPr>
+      <p:grpSpPr>
+        <a:xfrm>
+          <a:off x="0" y="0"/>
+          <a:ext cx="0" cy="0"/>
+          <a:chOff x="0" y="0"/>
+          <a:chExt cx="0" cy="0"/>
+        </a:xfrm>
+      </p:grpSpPr>
+      <p:sp>
+        <p:nvSpPr>
+          <p:cNvPr id="6" name="Segnaposto testo 3">
+            <a:extLst>
+              <a:ext uri="{FF2B5EF4-FFF2-40B4-BE49-F238E27FC236}">
+                <a16:creationId xmlns:a16="http://schemas.microsoft.com/office/drawing/2014/main" id="{7F43333C-2DA9-929E-1726-5B2FED3ACF34}"/>
+              </a:ext>
+            </a:extLst>
+          </p:cNvPr>
+          <p:cNvSpPr txBox="1">
+            <a:spLocks/>
+          </p:cNvSpPr>
+          <p:nvPr/>
+        </p:nvSpPr>
+        <p:spPr>
+          <a:xfrm>
+            <a:off x="1478723" y="2051882"/>
+            <a:ext cx="3932237" cy="3315248"/>
+          </a:xfrm>
+          <a:prstGeom prst="rect">
+            <a:avLst/>
+          </a:prstGeom>
+        </p:spPr>
+        <p:txBody>
+          <a:bodyPr>
+            <a:normAutofit fontScale="77500" lnSpcReduction="20000"/>
+          </a:bodyPr>
+          <a:lstStyle>
+            <a:lvl1pPr marL="228600" indent="-228600" algn="l" defTabSz="914400" rtl="0" eaLnBrk="1" latinLnBrk="0" hangingPunct="1">
+              <a:lnSpc>
+                <a:spcPct val="90000"/>
+              </a:lnSpc>
+              <a:spcBef>
+                <a:spcPts val="1000"/>
+              </a:spcBef>
+              <a:buFont typeface="Arial" panose="020B0604020202020204" pitchFamily="34" charset="0"/>
+              <a:buChar char="•"/>
+              <a:defRPr sz="2800" kern="1200">
+                <a:solidFill>
+                  <a:schemeClr val="tx1"/>
+                </a:solidFill>
+                <a:latin typeface="+mn-lt"/>
+                <a:ea typeface="+mn-ea"/>
+                <a:cs typeface="+mn-cs"/>
+              </a:defRPr>
+            </a:lvl1pPr>
+            <a:lvl2pPr marL="685800" indent="-228600" algn="l" defTabSz="914400" rtl="0" eaLnBrk="1" latinLnBrk="0" hangingPunct="1">
+              <a:lnSpc>
+                <a:spcPct val="90000"/>
+              </a:lnSpc>
+              <a:spcBef>
+                <a:spcPts val="500"/>
+              </a:spcBef>
+              <a:buFont typeface="Arial" panose="020B0604020202020204" pitchFamily="34" charset="0"/>
+              <a:buChar char="•"/>
+              <a:defRPr sz="2400" kern="1200">
+                <a:solidFill>
+                  <a:schemeClr val="tx1"/>
+                </a:solidFill>
+                <a:latin typeface="+mn-lt"/>
+                <a:ea typeface="+mn-ea"/>
+                <a:cs typeface="+mn-cs"/>
+              </a:defRPr>
+            </a:lvl2pPr>
+            <a:lvl3pPr marL="1143000" indent="-228600" algn="l" defTabSz="914400" rtl="0" eaLnBrk="1" latinLnBrk="0" hangingPunct="1">
+              <a:lnSpc>
+                <a:spcPct val="90000"/>
+              </a:lnSpc>
+              <a:spcBef>
+                <a:spcPts val="500"/>
+              </a:spcBef>
+              <a:buFont typeface="Arial" panose="020B0604020202020204" pitchFamily="34" charset="0"/>
+              <a:buChar char="•"/>
+              <a:defRPr sz="2000" kern="1200">
+                <a:solidFill>
+                  <a:schemeClr val="tx1"/>
+                </a:solidFill>
+                <a:latin typeface="+mn-lt"/>
+                <a:ea typeface="+mn-ea"/>
+                <a:cs typeface="+mn-cs"/>
+              </a:defRPr>
+            </a:lvl3pPr>
+            <a:lvl4pPr marL="1600200" indent="-228600" algn="l" defTabSz="914400" rtl="0" eaLnBrk="1" latinLnBrk="0" hangingPunct="1">
+              <a:lnSpc>
+                <a:spcPct val="90000"/>
+              </a:lnSpc>
+              <a:spcBef>
+                <a:spcPts val="500"/>
+              </a:spcBef>
+              <a:buFont typeface="Arial" panose="020B0604020202020204" pitchFamily="34" charset="0"/>
+              <a:buChar char="•"/>
+              <a:defRPr sz="1800" kern="1200">
+                <a:solidFill>
+                  <a:schemeClr val="tx1"/>
+                </a:solidFill>
+                <a:latin typeface="+mn-lt"/>
+                <a:ea typeface="+mn-ea"/>
+                <a:cs typeface="+mn-cs"/>
+              </a:defRPr>
+            </a:lvl4pPr>
+            <a:lvl5pPr marL="2057400" indent="-228600" algn="l" defTabSz="914400" rtl="0" eaLnBrk="1" latinLnBrk="0" hangingPunct="1">
+              <a:lnSpc>
+                <a:spcPct val="90000"/>
+              </a:lnSpc>
+              <a:spcBef>
+                <a:spcPts val="500"/>
+              </a:spcBef>
+              <a:buFont typeface="Arial" panose="020B0604020202020204" pitchFamily="34" charset="0"/>
+              <a:buChar char="•"/>
+              <a:defRPr sz="1800" kern="1200">
+                <a:solidFill>
+                  <a:schemeClr val="tx1"/>
+                </a:solidFill>
+                <a:latin typeface="+mn-lt"/>
+                <a:ea typeface="+mn-ea"/>
+                <a:cs typeface="+mn-cs"/>
+              </a:defRPr>
+            </a:lvl5pPr>
+            <a:lvl6pPr marL="2514600" indent="-228600" algn="l" defTabSz="914400" rtl="0" eaLnBrk="1" latinLnBrk="0" hangingPunct="1">
+              <a:lnSpc>
+                <a:spcPct val="90000"/>
+              </a:lnSpc>
+              <a:spcBef>
+                <a:spcPts val="500"/>
+              </a:spcBef>
+              <a:buFont typeface="Arial" panose="020B0604020202020204" pitchFamily="34" charset="0"/>
+              <a:buChar char="•"/>
+              <a:defRPr sz="1800" kern="1200">
+                <a:solidFill>
+                  <a:schemeClr val="tx1"/>
+                </a:solidFill>
+                <a:latin typeface="+mn-lt"/>
+                <a:ea typeface="+mn-ea"/>
+                <a:cs typeface="+mn-cs"/>
+              </a:defRPr>
+            </a:lvl6pPr>
+            <a:lvl7pPr marL="2971800" indent="-228600" algn="l" defTabSz="914400" rtl="0" eaLnBrk="1" latinLnBrk="0" hangingPunct="1">
+              <a:lnSpc>
+                <a:spcPct val="90000"/>
+              </a:lnSpc>
+              <a:spcBef>
+                <a:spcPts val="500"/>
+              </a:spcBef>
+              <a:buFont typeface="Arial" panose="020B0604020202020204" pitchFamily="34" charset="0"/>
+              <a:buChar char="•"/>
+              <a:defRPr sz="1800" kern="1200">
+                <a:solidFill>
+                  <a:schemeClr val="tx1"/>
+                </a:solidFill>
+                <a:latin typeface="+mn-lt"/>
+                <a:ea typeface="+mn-ea"/>
+                <a:cs typeface="+mn-cs"/>
+              </a:defRPr>
+            </a:lvl7pPr>
+            <a:lvl8pPr marL="3429000" indent="-228600" algn="l" defTabSz="914400" rtl="0" eaLnBrk="1" latinLnBrk="0" hangingPunct="1">
+              <a:lnSpc>
+                <a:spcPct val="90000"/>
+              </a:lnSpc>
+              <a:spcBef>
+                <a:spcPts val="500"/>
+              </a:spcBef>
+              <a:buFont typeface="Arial" panose="020B0604020202020204" pitchFamily="34" charset="0"/>
+              <a:buChar char="•"/>
+              <a:defRPr sz="1800" kern="1200">
+                <a:solidFill>
+                  <a:schemeClr val="tx1"/>
+                </a:solidFill>
+                <a:latin typeface="+mn-lt"/>
+                <a:ea typeface="+mn-ea"/>
+                <a:cs typeface="+mn-cs"/>
+              </a:defRPr>
+            </a:lvl8pPr>
+            <a:lvl9pPr marL="3886200" indent="-228600" algn="l" defTabSz="914400" rtl="0" eaLnBrk="1" latinLnBrk="0" hangingPunct="1">
+              <a:lnSpc>
+                <a:spcPct val="90000"/>
+              </a:lnSpc>
+              <a:spcBef>
+                <a:spcPts val="500"/>
+              </a:spcBef>
+              <a:buFont typeface="Arial" panose="020B0604020202020204" pitchFamily="34" charset="0"/>
+              <a:buChar char="•"/>
+              <a:defRPr sz="1800" kern="1200">
+                <a:solidFill>
+                  <a:schemeClr val="tx1"/>
+                </a:solidFill>
+                <a:latin typeface="+mn-lt"/>
+                <a:ea typeface="+mn-ea"/>
+                <a:cs typeface="+mn-cs"/>
+              </a:defRPr>
+            </a:lvl9pPr>
+          </a:lstStyle>
+          <a:p>
+            <a:r>
+              <a:rPr lang="it-IT" sz="2000" dirty="0"/>
+              <a:t>Il progetto di </a:t>
+            </a:r>
+            <a:r>
+              <a:rPr lang="it-IT" sz="2000" dirty="0" err="1"/>
+              <a:t>prolog</a:t>
+            </a:r>
+            <a:r>
+              <a:rPr lang="it-IT" sz="2000" dirty="0"/>
+              <a:t> richiedeva di implementare un sistema intelligente in grado di risolvere un problema</a:t>
+            </a:r>
+          </a:p>
+          <a:p>
+            <a:r>
+              <a:rPr lang="it-IT" sz="1400" dirty="0"/>
+              <a:t> </a:t>
+            </a:r>
+            <a:r>
+              <a:rPr lang="it-IT" sz="2000" dirty="0"/>
+              <a:t>abbiamo scelto come problema da risolvere il gioco del 15</a:t>
+            </a:r>
+          </a:p>
+          <a:p>
+            <a:r>
+              <a:rPr lang="it-IT" sz="2000" dirty="0"/>
+              <a:t>Abbiamo una matrice 4x4 con 16 caselle numerate da 0 a 15 e l’obiettivo è quello di ordinare le celle da 1 a 15, con lo 0 nell’ultima cella in basso a destra </a:t>
+            </a:r>
+          </a:p>
+          <a:p>
+            <a:r>
+              <a:rPr lang="it-IT" sz="2000" dirty="0"/>
+              <a:t>Per modificare la configurazione delle celle si può </a:t>
+            </a:r>
+            <a:r>
+              <a:rPr lang="it-IT" sz="2000" dirty="0" err="1"/>
+              <a:t>swappare</a:t>
+            </a:r>
+            <a:r>
+              <a:rPr lang="it-IT" sz="2000" dirty="0"/>
+              <a:t> la cella 0 (che realmente sarebbe una cella vuota) con una cella adiacente a nord sud est ovest</a:t>
+            </a:r>
+          </a:p>
+          <a:p>
+            <a:r>
+              <a:rPr lang="it-IT" sz="2000" dirty="0"/>
+              <a:t>Chiaramente se lo 0 si trova su uno dei lati non potrà </a:t>
+            </a:r>
+            <a:r>
+              <a:rPr lang="it-IT" sz="2000" dirty="0" err="1"/>
+              <a:t>swappare</a:t>
+            </a:r>
+            <a:r>
+              <a:rPr lang="it-IT" sz="2000" dirty="0"/>
+              <a:t> fuori dalla matrice</a:t>
+            </a:r>
+          </a:p>
+        </p:txBody>
+      </p:sp>
+      <p:pic>
+        <p:nvPicPr>
+          <p:cNvPr id="10" name="Immagine 9">
+            <a:extLst>
+              <a:ext uri="{FF2B5EF4-FFF2-40B4-BE49-F238E27FC236}">
+                <a16:creationId xmlns:a16="http://schemas.microsoft.com/office/drawing/2014/main" id="{49899B28-BFCD-7BC8-699E-E221D97BB432}"/>
+              </a:ext>
+            </a:extLst>
+          </p:cNvPr>
+          <p:cNvPicPr>
+            <a:picLocks noChangeAspect="1"/>
+          </p:cNvPicPr>
+          <p:nvPr/>
+        </p:nvPicPr>
+        <p:blipFill>
+          <a:blip r:embed="rId2"/>
+          <a:stretch>
+            <a:fillRect/>
+          </a:stretch>
+        </p:blipFill>
+        <p:spPr>
+          <a:xfrm>
+            <a:off x="7265227" y="2600325"/>
+            <a:ext cx="3448050" cy="1657350"/>
+          </a:xfrm>
+          <a:prstGeom prst="rect">
+            <a:avLst/>
+          </a:prstGeom>
+        </p:spPr>
+      </p:pic>
+    </p:spTree>
+    <p:extLst>
+      <p:ext uri="{BB962C8B-B14F-4D97-AF65-F5344CB8AC3E}">
+        <p14:creationId xmlns:p14="http://schemas.microsoft.com/office/powerpoint/2010/main" val="1810422174"/>
+      </p:ext>
+    </p:extLst>
+  </p:cSld>
+  <p:clrMapOvr>
+    <a:masterClrMapping/>
+  </p:clrMapOvr>
+</p:sld>
+</file>
+
+<file path=ppt/slides/slide4.xml><?xml version="1.0" encoding="utf-8"?>
+<p:sld xmlns:a="http://schemas.openxmlformats.org/drawingml/2006/main" xmlns:r="http://schemas.openxmlformats.org/officeDocument/2006/relationships" xmlns:p="http://schemas.openxmlformats.org/presentationml/2006/main">
+  <p:cSld>
+    <p:spTree>
+      <p:nvGrpSpPr>
+        <p:cNvPr id="1" name=""/>
+        <p:cNvGrpSpPr/>
+        <p:nvPr/>
+      </p:nvGrpSpPr>
+      <p:grpSpPr>
+        <a:xfrm>
+          <a:off x="0" y="0"/>
+          <a:ext cx="0" cy="0"/>
+          <a:chOff x="0" y="0"/>
+          <a:chExt cx="0" cy="0"/>
+        </a:xfrm>
+      </p:grpSpPr>
+      <p:sp>
+        <p:nvSpPr>
+          <p:cNvPr id="4" name="Segnaposto testo 3">
+            <a:extLst>
+              <a:ext uri="{FF2B5EF4-FFF2-40B4-BE49-F238E27FC236}">
+                <a16:creationId xmlns:a16="http://schemas.microsoft.com/office/drawing/2014/main" id="{3FEB7F7D-A23A-7486-44C2-325B5417A5F9}"/>
+              </a:ext>
+            </a:extLst>
+          </p:cNvPr>
+          <p:cNvSpPr txBox="1">
+            <a:spLocks/>
+          </p:cNvSpPr>
+          <p:nvPr/>
+        </p:nvSpPr>
+        <p:spPr>
+          <a:xfrm>
+            <a:off x="1510748" y="2166730"/>
+            <a:ext cx="4036387" cy="3306417"/>
+          </a:xfrm>
+          <a:prstGeom prst="rect">
+            <a:avLst/>
+          </a:prstGeom>
+        </p:spPr>
+        <p:txBody>
+          <a:bodyPr>
+            <a:normAutofit/>
+          </a:bodyPr>
+          <a:lstStyle>
+            <a:lvl1pPr marL="228600" indent="-228600" algn="l" defTabSz="914400" rtl="0" eaLnBrk="1" latinLnBrk="0" hangingPunct="1">
+              <a:lnSpc>
+                <a:spcPct val="90000"/>
+              </a:lnSpc>
+              <a:spcBef>
+                <a:spcPts val="1000"/>
+              </a:spcBef>
+              <a:buFont typeface="Arial" panose="020B0604020202020204" pitchFamily="34" charset="0"/>
+              <a:buChar char="•"/>
+              <a:defRPr sz="2800" kern="1200">
+                <a:solidFill>
+                  <a:schemeClr val="tx1"/>
+                </a:solidFill>
+                <a:latin typeface="+mn-lt"/>
+                <a:ea typeface="+mn-ea"/>
+                <a:cs typeface="+mn-cs"/>
+              </a:defRPr>
+            </a:lvl1pPr>
+            <a:lvl2pPr marL="685800" indent="-228600" algn="l" defTabSz="914400" rtl="0" eaLnBrk="1" latinLnBrk="0" hangingPunct="1">
+              <a:lnSpc>
+                <a:spcPct val="90000"/>
+              </a:lnSpc>
+              <a:spcBef>
+                <a:spcPts val="500"/>
+              </a:spcBef>
+              <a:buFont typeface="Arial" panose="020B0604020202020204" pitchFamily="34" charset="0"/>
+              <a:buChar char="•"/>
+              <a:defRPr sz="2400" kern="1200">
+                <a:solidFill>
+                  <a:schemeClr val="tx1"/>
+                </a:solidFill>
+                <a:latin typeface="+mn-lt"/>
+                <a:ea typeface="+mn-ea"/>
+                <a:cs typeface="+mn-cs"/>
+              </a:defRPr>
+            </a:lvl2pPr>
+            <a:lvl3pPr marL="1143000" indent="-228600" algn="l" defTabSz="914400" rtl="0" eaLnBrk="1" latinLnBrk="0" hangingPunct="1">
+              <a:lnSpc>
+                <a:spcPct val="90000"/>
+              </a:lnSpc>
+              <a:spcBef>
+                <a:spcPts val="500"/>
+              </a:spcBef>
+              <a:buFont typeface="Arial" panose="020B0604020202020204" pitchFamily="34" charset="0"/>
+              <a:buChar char="•"/>
+              <a:defRPr sz="2000" kern="1200">
+                <a:solidFill>
+                  <a:schemeClr val="tx1"/>
+                </a:solidFill>
+                <a:latin typeface="+mn-lt"/>
+                <a:ea typeface="+mn-ea"/>
+                <a:cs typeface="+mn-cs"/>
+              </a:defRPr>
+            </a:lvl3pPr>
+            <a:lvl4pPr marL="1600200" indent="-228600" algn="l" defTabSz="914400" rtl="0" eaLnBrk="1" latinLnBrk="0" hangingPunct="1">
+              <a:lnSpc>
+                <a:spcPct val="90000"/>
+              </a:lnSpc>
+              <a:spcBef>
+                <a:spcPts val="500"/>
+              </a:spcBef>
+              <a:buFont typeface="Arial" panose="020B0604020202020204" pitchFamily="34" charset="0"/>
+              <a:buChar char="•"/>
+              <a:defRPr sz="1800" kern="1200">
+                <a:solidFill>
+                  <a:schemeClr val="tx1"/>
+                </a:solidFill>
+                <a:latin typeface="+mn-lt"/>
+                <a:ea typeface="+mn-ea"/>
+                <a:cs typeface="+mn-cs"/>
+              </a:defRPr>
+            </a:lvl4pPr>
+            <a:lvl5pPr marL="2057400" indent="-228600" algn="l" defTabSz="914400" rtl="0" eaLnBrk="1" latinLnBrk="0" hangingPunct="1">
+              <a:lnSpc>
+                <a:spcPct val="90000"/>
+              </a:lnSpc>
+              <a:spcBef>
+                <a:spcPts val="500"/>
+              </a:spcBef>
+              <a:buFont typeface="Arial" panose="020B0604020202020204" pitchFamily="34" charset="0"/>
+              <a:buChar char="•"/>
+              <a:defRPr sz="1800" kern="1200">
+                <a:solidFill>
+                  <a:schemeClr val="tx1"/>
+                </a:solidFill>
+                <a:latin typeface="+mn-lt"/>
+                <a:ea typeface="+mn-ea"/>
+                <a:cs typeface="+mn-cs"/>
+              </a:defRPr>
+            </a:lvl5pPr>
+            <a:lvl6pPr marL="2514600" indent="-228600" algn="l" defTabSz="914400" rtl="0" eaLnBrk="1" latinLnBrk="0" hangingPunct="1">
+              <a:lnSpc>
+                <a:spcPct val="90000"/>
+              </a:lnSpc>
+              <a:spcBef>
+                <a:spcPts val="500"/>
+              </a:spcBef>
+              <a:buFont typeface="Arial" panose="020B0604020202020204" pitchFamily="34" charset="0"/>
+              <a:buChar char="•"/>
+              <a:defRPr sz="1800" kern="1200">
+                <a:solidFill>
+                  <a:schemeClr val="tx1"/>
+                </a:solidFill>
+                <a:latin typeface="+mn-lt"/>
+                <a:ea typeface="+mn-ea"/>
+                <a:cs typeface="+mn-cs"/>
+              </a:defRPr>
+            </a:lvl6pPr>
+            <a:lvl7pPr marL="2971800" indent="-228600" algn="l" defTabSz="914400" rtl="0" eaLnBrk="1" latinLnBrk="0" hangingPunct="1">
+              <a:lnSpc>
+                <a:spcPct val="90000"/>
+              </a:lnSpc>
+              <a:spcBef>
+                <a:spcPts val="500"/>
+              </a:spcBef>
+              <a:buFont typeface="Arial" panose="020B0604020202020204" pitchFamily="34" charset="0"/>
+              <a:buChar char="•"/>
+              <a:defRPr sz="1800" kern="1200">
+                <a:solidFill>
+                  <a:schemeClr val="tx1"/>
+                </a:solidFill>
+                <a:latin typeface="+mn-lt"/>
+                <a:ea typeface="+mn-ea"/>
+                <a:cs typeface="+mn-cs"/>
+              </a:defRPr>
+            </a:lvl7pPr>
+            <a:lvl8pPr marL="3429000" indent="-228600" algn="l" defTabSz="914400" rtl="0" eaLnBrk="1" latinLnBrk="0" hangingPunct="1">
+              <a:lnSpc>
+                <a:spcPct val="90000"/>
+              </a:lnSpc>
+              <a:spcBef>
+                <a:spcPts val="500"/>
+              </a:spcBef>
+              <a:buFont typeface="Arial" panose="020B0604020202020204" pitchFamily="34" charset="0"/>
+              <a:buChar char="•"/>
+              <a:defRPr sz="1800" kern="1200">
+                <a:solidFill>
+                  <a:schemeClr val="tx1"/>
+                </a:solidFill>
+                <a:latin typeface="+mn-lt"/>
+                <a:ea typeface="+mn-ea"/>
+                <a:cs typeface="+mn-cs"/>
+              </a:defRPr>
+            </a:lvl8pPr>
+            <a:lvl9pPr marL="3886200" indent="-228600" algn="l" defTabSz="914400" rtl="0" eaLnBrk="1" latinLnBrk="0" hangingPunct="1">
+              <a:lnSpc>
+                <a:spcPct val="90000"/>
+              </a:lnSpc>
+              <a:spcBef>
+                <a:spcPts val="500"/>
+              </a:spcBef>
+              <a:buFont typeface="Arial" panose="020B0604020202020204" pitchFamily="34" charset="0"/>
+              <a:buChar char="•"/>
+              <a:defRPr sz="1800" kern="1200">
+                <a:solidFill>
+                  <a:schemeClr val="tx1"/>
+                </a:solidFill>
+                <a:latin typeface="+mn-lt"/>
+                <a:ea typeface="+mn-ea"/>
+                <a:cs typeface="+mn-cs"/>
+              </a:defRPr>
+            </a:lvl9pPr>
+          </a:lstStyle>
+          <a:p>
+            <a:r>
+              <a:rPr lang="it-IT" sz="2000" dirty="0"/>
+              <a:t>La ricerca parte da uno stato iniziale e si ferma non appena riesce a trovare la configurazione corretta che abbiamo indicato come finale(), ritornando gli swap che sono stati fatti per ottenere la configurazione corretta (nord sud est ovest).  </a:t>
+            </a:r>
+          </a:p>
+          <a:p>
+            <a:r>
+              <a:rPr lang="it-IT" sz="2000" dirty="0"/>
+              <a:t>NOTA BENE : l’output si legge da destra a sinistra </a:t>
+            </a:r>
+          </a:p>
+          <a:p>
+            <a:endParaRPr lang="it-IT" sz="2000" dirty="0"/>
+          </a:p>
+        </p:txBody>
+      </p:sp>
+      <p:pic>
+        <p:nvPicPr>
+          <p:cNvPr id="6" name="Immagine 5">
+            <a:extLst>
+              <a:ext uri="{FF2B5EF4-FFF2-40B4-BE49-F238E27FC236}">
+                <a16:creationId xmlns:a16="http://schemas.microsoft.com/office/drawing/2014/main" id="{91DF237A-8E7B-F38F-DD38-A851A0C78E0F}"/>
+              </a:ext>
+            </a:extLst>
+          </p:cNvPr>
+          <p:cNvPicPr>
+            <a:picLocks noChangeAspect="1"/>
+          </p:cNvPicPr>
+          <p:nvPr/>
+        </p:nvPicPr>
+        <p:blipFill>
+          <a:blip r:embed="rId2"/>
+          <a:stretch>
+            <a:fillRect/>
+          </a:stretch>
+        </p:blipFill>
+        <p:spPr>
+          <a:xfrm>
+            <a:off x="5777948" y="2548839"/>
+            <a:ext cx="5496131" cy="676275"/>
+          </a:xfrm>
+          <a:prstGeom prst="rect">
+            <a:avLst/>
+          </a:prstGeom>
+        </p:spPr>
+      </p:pic>
+      <p:pic>
+        <p:nvPicPr>
+          <p:cNvPr id="15" name="Immagine 14">
+            <a:extLst>
+              <a:ext uri="{FF2B5EF4-FFF2-40B4-BE49-F238E27FC236}">
+                <a16:creationId xmlns:a16="http://schemas.microsoft.com/office/drawing/2014/main" id="{1FEC4AFE-5B5D-AB03-033B-859756A337AA}"/>
+              </a:ext>
+            </a:extLst>
+          </p:cNvPr>
+          <p:cNvPicPr>
+            <a:picLocks noChangeAspect="1"/>
+          </p:cNvPicPr>
+          <p:nvPr/>
+        </p:nvPicPr>
+        <p:blipFill>
+          <a:blip r:embed="rId3">
+            <a:extLst>
+              <a:ext uri="{28A0092B-C50C-407E-A947-70E740481C1C}">
+                <a14:useLocalDpi xmlns:a14="http://schemas.microsoft.com/office/drawing/2010/main" val="0"/>
+              </a:ext>
+            </a:extLst>
+          </a:blip>
+          <a:stretch>
+            <a:fillRect/>
+          </a:stretch>
+        </p:blipFill>
+        <p:spPr>
+          <a:xfrm>
+            <a:off x="5777948" y="3819938"/>
+            <a:ext cx="5962549" cy="409632"/>
+          </a:xfrm>
+          <a:prstGeom prst="rect">
+            <a:avLst/>
+          </a:prstGeom>
+        </p:spPr>
+      </p:pic>
+      <p:sp>
+        <p:nvSpPr>
+          <p:cNvPr id="16" name="CasellaDiTesto 15">
+            <a:extLst>
+              <a:ext uri="{FF2B5EF4-FFF2-40B4-BE49-F238E27FC236}">
+                <a16:creationId xmlns:a16="http://schemas.microsoft.com/office/drawing/2014/main" id="{F4B3D6EF-A63D-8E36-99B0-1E6F7F948FBE}"/>
+              </a:ext>
+            </a:extLst>
+          </p:cNvPr>
+          <p:cNvSpPr txBox="1"/>
+          <p:nvPr/>
+        </p:nvSpPr>
+        <p:spPr>
+          <a:xfrm>
+            <a:off x="5711687" y="3525078"/>
+            <a:ext cx="1590261" cy="369332"/>
+          </a:xfrm>
+          <a:prstGeom prst="rect">
+            <a:avLst/>
+          </a:prstGeom>
+          <a:noFill/>
+        </p:spPr>
+        <p:txBody>
+          <a:bodyPr wrap="square" rtlCol="0">
+            <a:spAutoFit/>
+          </a:bodyPr>
+          <a:lstStyle/>
+          <a:p>
+            <a:r>
+              <a:rPr lang="it-IT" dirty="0"/>
+              <a:t>Output:</a:t>
+            </a:r>
+          </a:p>
+        </p:txBody>
+      </p:sp>
+    </p:spTree>
+    <p:extLst>
+      <p:ext uri="{BB962C8B-B14F-4D97-AF65-F5344CB8AC3E}">
+        <p14:creationId xmlns:p14="http://schemas.microsoft.com/office/powerpoint/2010/main" val="1876091791"/>
+      </p:ext>
+    </p:extLst>
+  </p:cSld>
+  <p:clrMapOvr>
+    <a:masterClrMapping/>
+  </p:clrMapOvr>
+</p:sld>
+</file>
+
+<file path=ppt/slides/slide5.xml><?xml version="1.0" encoding="utf-8"?>
+<p:sld xmlns:a="http://schemas.openxmlformats.org/drawingml/2006/main" xmlns:r="http://schemas.openxmlformats.org/officeDocument/2006/relationships" xmlns:p="http://schemas.openxmlformats.org/presentationml/2006/main">
+  <p:cSld>
+    <p:spTree>
+      <p:nvGrpSpPr>
+        <p:cNvPr id="1" name=""/>
+        <p:cNvGrpSpPr/>
+        <p:nvPr/>
+      </p:nvGrpSpPr>
+      <p:grpSpPr>
+        <a:xfrm>
+          <a:off x="0" y="0"/>
+          <a:ext cx="0" cy="0"/>
+          <a:chOff x="0" y="0"/>
+          <a:chExt cx="0" cy="0"/>
+        </a:xfrm>
+      </p:grpSpPr>
+      <p:sp>
+        <p:nvSpPr>
+          <p:cNvPr id="4" name="Segnaposto testo 3">
+            <a:extLst>
+              <a:ext uri="{FF2B5EF4-FFF2-40B4-BE49-F238E27FC236}">
+                <a16:creationId xmlns:a16="http://schemas.microsoft.com/office/drawing/2014/main" id="{075AE6B5-65E0-E733-74A3-9199D38BC617}"/>
+              </a:ext>
+            </a:extLst>
+          </p:cNvPr>
+          <p:cNvSpPr txBox="1">
+            <a:spLocks/>
+          </p:cNvSpPr>
+          <p:nvPr/>
+        </p:nvSpPr>
+        <p:spPr>
+          <a:xfrm>
+            <a:off x="1510748" y="907774"/>
+            <a:ext cx="4036387" cy="5042451"/>
+          </a:xfrm>
+          <a:prstGeom prst="rect">
+            <a:avLst/>
+          </a:prstGeom>
+        </p:spPr>
+        <p:txBody>
+          <a:bodyPr>
+            <a:normAutofit/>
+          </a:bodyPr>
+          <a:lstStyle>
+            <a:lvl1pPr marL="228600" indent="-228600" algn="l" defTabSz="914400" rtl="0" eaLnBrk="1" latinLnBrk="0" hangingPunct="1">
+              <a:lnSpc>
+                <a:spcPct val="90000"/>
+              </a:lnSpc>
+              <a:spcBef>
+                <a:spcPts val="1000"/>
+              </a:spcBef>
+              <a:buFont typeface="Arial" panose="020B0604020202020204" pitchFamily="34" charset="0"/>
+              <a:buChar char="•"/>
+              <a:defRPr sz="2800" kern="1200">
+                <a:solidFill>
+                  <a:schemeClr val="tx1"/>
+                </a:solidFill>
+                <a:latin typeface="+mn-lt"/>
+                <a:ea typeface="+mn-ea"/>
+                <a:cs typeface="+mn-cs"/>
+              </a:defRPr>
+            </a:lvl1pPr>
+            <a:lvl2pPr marL="685800" indent="-228600" algn="l" defTabSz="914400" rtl="0" eaLnBrk="1" latinLnBrk="0" hangingPunct="1">
+              <a:lnSpc>
+                <a:spcPct val="90000"/>
+              </a:lnSpc>
+              <a:spcBef>
+                <a:spcPts val="500"/>
+              </a:spcBef>
+              <a:buFont typeface="Arial" panose="020B0604020202020204" pitchFamily="34" charset="0"/>
+              <a:buChar char="•"/>
+              <a:defRPr sz="2400" kern="1200">
+                <a:solidFill>
+                  <a:schemeClr val="tx1"/>
+                </a:solidFill>
+                <a:latin typeface="+mn-lt"/>
+                <a:ea typeface="+mn-ea"/>
+                <a:cs typeface="+mn-cs"/>
+              </a:defRPr>
+            </a:lvl2pPr>
+            <a:lvl3pPr marL="1143000" indent="-228600" algn="l" defTabSz="914400" rtl="0" eaLnBrk="1" latinLnBrk="0" hangingPunct="1">
+              <a:lnSpc>
+                <a:spcPct val="90000"/>
+              </a:lnSpc>
+              <a:spcBef>
+                <a:spcPts val="500"/>
+              </a:spcBef>
+              <a:buFont typeface="Arial" panose="020B0604020202020204" pitchFamily="34" charset="0"/>
+              <a:buChar char="•"/>
+              <a:defRPr sz="2000" kern="1200">
+                <a:solidFill>
+                  <a:schemeClr val="tx1"/>
+                </a:solidFill>
+                <a:latin typeface="+mn-lt"/>
+                <a:ea typeface="+mn-ea"/>
+                <a:cs typeface="+mn-cs"/>
+              </a:defRPr>
+            </a:lvl3pPr>
+            <a:lvl4pPr marL="1600200" indent="-228600" algn="l" defTabSz="914400" rtl="0" eaLnBrk="1" latinLnBrk="0" hangingPunct="1">
+              <a:lnSpc>
+                <a:spcPct val="90000"/>
+              </a:lnSpc>
+              <a:spcBef>
+                <a:spcPts val="500"/>
+              </a:spcBef>
+              <a:buFont typeface="Arial" panose="020B0604020202020204" pitchFamily="34" charset="0"/>
+              <a:buChar char="•"/>
+              <a:defRPr sz="1800" kern="1200">
+                <a:solidFill>
+                  <a:schemeClr val="tx1"/>
+                </a:solidFill>
+                <a:latin typeface="+mn-lt"/>
+                <a:ea typeface="+mn-ea"/>
+                <a:cs typeface="+mn-cs"/>
+              </a:defRPr>
+            </a:lvl4pPr>
+            <a:lvl5pPr marL="2057400" indent="-228600" algn="l" defTabSz="914400" rtl="0" eaLnBrk="1" latinLnBrk="0" hangingPunct="1">
+              <a:lnSpc>
+                <a:spcPct val="90000"/>
+              </a:lnSpc>
+              <a:spcBef>
+                <a:spcPts val="500"/>
+              </a:spcBef>
+              <a:buFont typeface="Arial" panose="020B0604020202020204" pitchFamily="34" charset="0"/>
+              <a:buChar char="•"/>
+              <a:defRPr sz="1800" kern="1200">
+                <a:solidFill>
+                  <a:schemeClr val="tx1"/>
+                </a:solidFill>
+                <a:latin typeface="+mn-lt"/>
+                <a:ea typeface="+mn-ea"/>
+                <a:cs typeface="+mn-cs"/>
+              </a:defRPr>
+            </a:lvl5pPr>
+            <a:lvl6pPr marL="2514600" indent="-228600" algn="l" defTabSz="914400" rtl="0" eaLnBrk="1" latinLnBrk="0" hangingPunct="1">
+              <a:lnSpc>
+                <a:spcPct val="90000"/>
+              </a:lnSpc>
+              <a:spcBef>
+                <a:spcPts val="500"/>
+              </a:spcBef>
+              <a:buFont typeface="Arial" panose="020B0604020202020204" pitchFamily="34" charset="0"/>
+              <a:buChar char="•"/>
+              <a:defRPr sz="1800" kern="1200">
+                <a:solidFill>
+                  <a:schemeClr val="tx1"/>
+                </a:solidFill>
+                <a:latin typeface="+mn-lt"/>
+                <a:ea typeface="+mn-ea"/>
+                <a:cs typeface="+mn-cs"/>
+              </a:defRPr>
+            </a:lvl6pPr>
+            <a:lvl7pPr marL="2971800" indent="-228600" algn="l" defTabSz="914400" rtl="0" eaLnBrk="1" latinLnBrk="0" hangingPunct="1">
+              <a:lnSpc>
+                <a:spcPct val="90000"/>
+              </a:lnSpc>
+              <a:spcBef>
+                <a:spcPts val="500"/>
+              </a:spcBef>
+              <a:buFont typeface="Arial" panose="020B0604020202020204" pitchFamily="34" charset="0"/>
+              <a:buChar char="•"/>
+              <a:defRPr sz="1800" kern="1200">
+                <a:solidFill>
+                  <a:schemeClr val="tx1"/>
+                </a:solidFill>
+                <a:latin typeface="+mn-lt"/>
+                <a:ea typeface="+mn-ea"/>
+                <a:cs typeface="+mn-cs"/>
+              </a:defRPr>
+            </a:lvl7pPr>
+            <a:lvl8pPr marL="3429000" indent="-228600" algn="l" defTabSz="914400" rtl="0" eaLnBrk="1" latinLnBrk="0" hangingPunct="1">
+              <a:lnSpc>
+                <a:spcPct val="90000"/>
+              </a:lnSpc>
+              <a:spcBef>
+                <a:spcPts val="500"/>
+              </a:spcBef>
+              <a:buFont typeface="Arial" panose="020B0604020202020204" pitchFamily="34" charset="0"/>
+              <a:buChar char="•"/>
+              <a:defRPr sz="1800" kern="1200">
+                <a:solidFill>
+                  <a:schemeClr val="tx1"/>
+                </a:solidFill>
+                <a:latin typeface="+mn-lt"/>
+                <a:ea typeface="+mn-ea"/>
+                <a:cs typeface="+mn-cs"/>
+              </a:defRPr>
+            </a:lvl8pPr>
+            <a:lvl9pPr marL="3886200" indent="-228600" algn="l" defTabSz="914400" rtl="0" eaLnBrk="1" latinLnBrk="0" hangingPunct="1">
+              <a:lnSpc>
+                <a:spcPct val="90000"/>
+              </a:lnSpc>
+              <a:spcBef>
+                <a:spcPts val="500"/>
+              </a:spcBef>
+              <a:buFont typeface="Arial" panose="020B0604020202020204" pitchFamily="34" charset="0"/>
+              <a:buChar char="•"/>
+              <a:defRPr sz="1800" kern="1200">
+                <a:solidFill>
+                  <a:schemeClr val="tx1"/>
+                </a:solidFill>
+                <a:latin typeface="+mn-lt"/>
+                <a:ea typeface="+mn-ea"/>
+                <a:cs typeface="+mn-cs"/>
+              </a:defRPr>
+            </a:lvl9pPr>
+          </a:lstStyle>
+          <a:p>
+            <a:pPr marL="0" indent="0">
+              <a:buNone/>
+            </a:pPr>
+            <a:endParaRPr lang="it-IT" sz="2000" dirty="0"/>
+          </a:p>
+          <a:p>
+            <a:r>
+              <a:rPr lang="it-IT" sz="2000" dirty="0"/>
+              <a:t>Per ragioni di comodità implementativa abbiamo deciso di trasformare la matrice in un vettore di lunghezza 4x4.</a:t>
+            </a:r>
+          </a:p>
+          <a:p>
+            <a:endParaRPr lang="it-IT" sz="2000" dirty="0"/>
+          </a:p>
+          <a:p>
+            <a:endParaRPr lang="it-IT" sz="2000" dirty="0"/>
+          </a:p>
+          <a:p>
+            <a:r>
+              <a:rPr lang="it-IT" sz="2000" dirty="0"/>
+              <a:t>Sempre per ragioni di comodità implementativa abbiamo </a:t>
+            </a:r>
+            <a:r>
+              <a:rPr lang="it-IT" sz="2000" dirty="0" err="1"/>
+              <a:t>ragruppato</a:t>
+            </a:r>
+            <a:r>
+              <a:rPr lang="it-IT" sz="2000" dirty="0"/>
+              <a:t> tutte le informazioni che caratterizzano lo stato in un unico fatto s(matrice, </a:t>
+            </a:r>
+            <a:r>
+              <a:rPr lang="it-IT" sz="2000" dirty="0" err="1"/>
+              <a:t>swap_fatti_fino_a_quel_punto</a:t>
+            </a:r>
+            <a:r>
+              <a:rPr lang="it-IT" sz="2000" dirty="0"/>
+              <a:t>, profondità albero di ricerca, euristica , X0 , Y0) con X0 e Y0 la posizione della cella 0</a:t>
+            </a:r>
+          </a:p>
+          <a:p>
+            <a:endParaRPr lang="it-IT" sz="2000" dirty="0"/>
+          </a:p>
+          <a:p>
+            <a:endParaRPr lang="it-IT" sz="2000" dirty="0"/>
+          </a:p>
+        </p:txBody>
+      </p:sp>
+      <p:pic>
+        <p:nvPicPr>
+          <p:cNvPr id="5" name="Immagine 4">
+            <a:extLst>
+              <a:ext uri="{FF2B5EF4-FFF2-40B4-BE49-F238E27FC236}">
+                <a16:creationId xmlns:a16="http://schemas.microsoft.com/office/drawing/2014/main" id="{B831AC92-3285-F409-D6C1-7398C1E77FF4}"/>
+              </a:ext>
+            </a:extLst>
+          </p:cNvPr>
+          <p:cNvPicPr>
+            <a:picLocks noChangeAspect="1"/>
+          </p:cNvPicPr>
+          <p:nvPr/>
+        </p:nvPicPr>
+        <p:blipFill>
+          <a:blip r:embed="rId2"/>
+          <a:stretch>
+            <a:fillRect/>
+          </a:stretch>
+        </p:blipFill>
+        <p:spPr>
+          <a:xfrm>
+            <a:off x="5547135" y="4270517"/>
+            <a:ext cx="6248128" cy="307285"/>
+          </a:xfrm>
+          <a:prstGeom prst="rect">
+            <a:avLst/>
+          </a:prstGeom>
+        </p:spPr>
+      </p:pic>
+      <p:pic>
+        <p:nvPicPr>
+          <p:cNvPr id="6" name="Immagine 5">
+            <a:extLst>
+              <a:ext uri="{FF2B5EF4-FFF2-40B4-BE49-F238E27FC236}">
+                <a16:creationId xmlns:a16="http://schemas.microsoft.com/office/drawing/2014/main" id="{3DFE36B1-B99D-1F85-B2BA-E5E08AD668E7}"/>
+              </a:ext>
+            </a:extLst>
+          </p:cNvPr>
+          <p:cNvPicPr>
+            <a:picLocks noChangeAspect="1"/>
+          </p:cNvPicPr>
+          <p:nvPr/>
+        </p:nvPicPr>
+        <p:blipFill>
+          <a:blip r:embed="rId3"/>
+          <a:stretch>
+            <a:fillRect/>
+          </a:stretch>
+        </p:blipFill>
+        <p:spPr>
+          <a:xfrm>
+            <a:off x="5547135" y="1596886"/>
+            <a:ext cx="5496131" cy="676275"/>
+          </a:xfrm>
+          <a:prstGeom prst="rect">
+            <a:avLst/>
+          </a:prstGeom>
+        </p:spPr>
+      </p:pic>
+    </p:spTree>
+    <p:extLst>
+      <p:ext uri="{BB962C8B-B14F-4D97-AF65-F5344CB8AC3E}">
+        <p14:creationId xmlns:p14="http://schemas.microsoft.com/office/powerpoint/2010/main" val="1749378893"/>
+      </p:ext>
+    </p:extLst>
+  </p:cSld>
+  <p:clrMapOvr>
+    <a:masterClrMapping/>
+  </p:clrMapOvr>
+</p:sld>
+</file>
+
+<file path=ppt/slides/slide6.xml><?xml version="1.0" encoding="utf-8"?>
+<p:sld xmlns:a="http://schemas.openxmlformats.org/drawingml/2006/main" xmlns:r="http://schemas.openxmlformats.org/officeDocument/2006/relationships" xmlns:p="http://schemas.openxmlformats.org/presentationml/2006/main">
+  <p:cSld>
+    <p:spTree>
+      <p:nvGrpSpPr>
+        <p:cNvPr id="1" name=""/>
+        <p:cNvGrpSpPr/>
+        <p:nvPr/>
+      </p:nvGrpSpPr>
+      <p:grpSpPr>
+        <a:xfrm>
+          <a:off x="0" y="0"/>
+          <a:ext cx="0" cy="0"/>
+          <a:chOff x="0" y="0"/>
+          <a:chExt cx="0" cy="0"/>
+        </a:xfrm>
+      </p:grpSpPr>
+      <p:sp>
+        <p:nvSpPr>
+          <p:cNvPr id="4" name="Segnaposto testo 3">
+            <a:extLst>
+              <a:ext uri="{FF2B5EF4-FFF2-40B4-BE49-F238E27FC236}">
+                <a16:creationId xmlns:a16="http://schemas.microsoft.com/office/drawing/2014/main" id="{EBD0AD3F-C203-BB3E-CC50-AAD5A8DA5DEE}"/>
+              </a:ext>
+            </a:extLst>
+          </p:cNvPr>
+          <p:cNvSpPr txBox="1">
+            <a:spLocks/>
+          </p:cNvSpPr>
+          <p:nvPr/>
+        </p:nvSpPr>
+        <p:spPr>
+          <a:xfrm>
+            <a:off x="1510748" y="1152940"/>
+            <a:ext cx="4036387" cy="4260573"/>
+          </a:xfrm>
+          <a:prstGeom prst="rect">
+            <a:avLst/>
+          </a:prstGeom>
+        </p:spPr>
+        <p:txBody>
+          <a:bodyPr>
+            <a:normAutofit fontScale="92500" lnSpcReduction="20000"/>
+          </a:bodyPr>
+          <a:lstStyle>
+            <a:lvl1pPr marL="228600" indent="-228600" algn="l" defTabSz="914400" rtl="0" eaLnBrk="1" latinLnBrk="0" hangingPunct="1">
+              <a:lnSpc>
+                <a:spcPct val="90000"/>
+              </a:lnSpc>
+              <a:spcBef>
+                <a:spcPts val="1000"/>
+              </a:spcBef>
+              <a:buFont typeface="Arial" panose="020B0604020202020204" pitchFamily="34" charset="0"/>
+              <a:buChar char="•"/>
+              <a:defRPr sz="2800" kern="1200">
+                <a:solidFill>
+                  <a:schemeClr val="tx1"/>
+                </a:solidFill>
+                <a:latin typeface="+mn-lt"/>
+                <a:ea typeface="+mn-ea"/>
+                <a:cs typeface="+mn-cs"/>
+              </a:defRPr>
+            </a:lvl1pPr>
+            <a:lvl2pPr marL="685800" indent="-228600" algn="l" defTabSz="914400" rtl="0" eaLnBrk="1" latinLnBrk="0" hangingPunct="1">
+              <a:lnSpc>
+                <a:spcPct val="90000"/>
+              </a:lnSpc>
+              <a:spcBef>
+                <a:spcPts val="500"/>
+              </a:spcBef>
+              <a:buFont typeface="Arial" panose="020B0604020202020204" pitchFamily="34" charset="0"/>
+              <a:buChar char="•"/>
+              <a:defRPr sz="2400" kern="1200">
+                <a:solidFill>
+                  <a:schemeClr val="tx1"/>
+                </a:solidFill>
+                <a:latin typeface="+mn-lt"/>
+                <a:ea typeface="+mn-ea"/>
+                <a:cs typeface="+mn-cs"/>
+              </a:defRPr>
+            </a:lvl2pPr>
+            <a:lvl3pPr marL="1143000" indent="-228600" algn="l" defTabSz="914400" rtl="0" eaLnBrk="1" latinLnBrk="0" hangingPunct="1">
+              <a:lnSpc>
+                <a:spcPct val="90000"/>
+              </a:lnSpc>
+              <a:spcBef>
+                <a:spcPts val="500"/>
+              </a:spcBef>
+              <a:buFont typeface="Arial" panose="020B0604020202020204" pitchFamily="34" charset="0"/>
+              <a:buChar char="•"/>
+              <a:defRPr sz="2000" kern="1200">
+                <a:solidFill>
+                  <a:schemeClr val="tx1"/>
+                </a:solidFill>
+                <a:latin typeface="+mn-lt"/>
+                <a:ea typeface="+mn-ea"/>
+                <a:cs typeface="+mn-cs"/>
+              </a:defRPr>
+            </a:lvl3pPr>
+            <a:lvl4pPr marL="1600200" indent="-228600" algn="l" defTabSz="914400" rtl="0" eaLnBrk="1" latinLnBrk="0" hangingPunct="1">
+              <a:lnSpc>
+                <a:spcPct val="90000"/>
+              </a:lnSpc>
+              <a:spcBef>
+                <a:spcPts val="500"/>
+              </a:spcBef>
+              <a:buFont typeface="Arial" panose="020B0604020202020204" pitchFamily="34" charset="0"/>
+              <a:buChar char="•"/>
+              <a:defRPr sz="1800" kern="1200">
+                <a:solidFill>
+                  <a:schemeClr val="tx1"/>
+                </a:solidFill>
+                <a:latin typeface="+mn-lt"/>
+                <a:ea typeface="+mn-ea"/>
+                <a:cs typeface="+mn-cs"/>
+              </a:defRPr>
+            </a:lvl4pPr>
+            <a:lvl5pPr marL="2057400" indent="-228600" algn="l" defTabSz="914400" rtl="0" eaLnBrk="1" latinLnBrk="0" hangingPunct="1">
+              <a:lnSpc>
+                <a:spcPct val="90000"/>
+              </a:lnSpc>
+              <a:spcBef>
+                <a:spcPts val="500"/>
+              </a:spcBef>
+              <a:buFont typeface="Arial" panose="020B0604020202020204" pitchFamily="34" charset="0"/>
+              <a:buChar char="•"/>
+              <a:defRPr sz="1800" kern="1200">
+                <a:solidFill>
+                  <a:schemeClr val="tx1"/>
+                </a:solidFill>
+                <a:latin typeface="+mn-lt"/>
+                <a:ea typeface="+mn-ea"/>
+                <a:cs typeface="+mn-cs"/>
+              </a:defRPr>
+            </a:lvl5pPr>
+            <a:lvl6pPr marL="2514600" indent="-228600" algn="l" defTabSz="914400" rtl="0" eaLnBrk="1" latinLnBrk="0" hangingPunct="1">
+              <a:lnSpc>
+                <a:spcPct val="90000"/>
+              </a:lnSpc>
+              <a:spcBef>
+                <a:spcPts val="500"/>
+              </a:spcBef>
+              <a:buFont typeface="Arial" panose="020B0604020202020204" pitchFamily="34" charset="0"/>
+              <a:buChar char="•"/>
+              <a:defRPr sz="1800" kern="1200">
+                <a:solidFill>
+                  <a:schemeClr val="tx1"/>
+                </a:solidFill>
+                <a:latin typeface="+mn-lt"/>
+                <a:ea typeface="+mn-ea"/>
+                <a:cs typeface="+mn-cs"/>
+              </a:defRPr>
+            </a:lvl6pPr>
+            <a:lvl7pPr marL="2971800" indent="-228600" algn="l" defTabSz="914400" rtl="0" eaLnBrk="1" latinLnBrk="0" hangingPunct="1">
+              <a:lnSpc>
+                <a:spcPct val="90000"/>
+              </a:lnSpc>
+              <a:spcBef>
+                <a:spcPts val="500"/>
+              </a:spcBef>
+              <a:buFont typeface="Arial" panose="020B0604020202020204" pitchFamily="34" charset="0"/>
+              <a:buChar char="•"/>
+              <a:defRPr sz="1800" kern="1200">
+                <a:solidFill>
+                  <a:schemeClr val="tx1"/>
+                </a:solidFill>
+                <a:latin typeface="+mn-lt"/>
+                <a:ea typeface="+mn-ea"/>
+                <a:cs typeface="+mn-cs"/>
+              </a:defRPr>
+            </a:lvl7pPr>
+            <a:lvl8pPr marL="3429000" indent="-228600" algn="l" defTabSz="914400" rtl="0" eaLnBrk="1" latinLnBrk="0" hangingPunct="1">
+              <a:lnSpc>
+                <a:spcPct val="90000"/>
+              </a:lnSpc>
+              <a:spcBef>
+                <a:spcPts val="500"/>
+              </a:spcBef>
+              <a:buFont typeface="Arial" panose="020B0604020202020204" pitchFamily="34" charset="0"/>
+              <a:buChar char="•"/>
+              <a:defRPr sz="1800" kern="1200">
+                <a:solidFill>
+                  <a:schemeClr val="tx1"/>
+                </a:solidFill>
+                <a:latin typeface="+mn-lt"/>
+                <a:ea typeface="+mn-ea"/>
+                <a:cs typeface="+mn-cs"/>
+              </a:defRPr>
+            </a:lvl8pPr>
+            <a:lvl9pPr marL="3886200" indent="-228600" algn="l" defTabSz="914400" rtl="0" eaLnBrk="1" latinLnBrk="0" hangingPunct="1">
+              <a:lnSpc>
+                <a:spcPct val="90000"/>
+              </a:lnSpc>
+              <a:spcBef>
+                <a:spcPts val="500"/>
+              </a:spcBef>
+              <a:buFont typeface="Arial" panose="020B0604020202020204" pitchFamily="34" charset="0"/>
+              <a:buChar char="•"/>
+              <a:defRPr sz="1800" kern="1200">
+                <a:solidFill>
+                  <a:schemeClr val="tx1"/>
+                </a:solidFill>
+                <a:latin typeface="+mn-lt"/>
+                <a:ea typeface="+mn-ea"/>
+                <a:cs typeface="+mn-cs"/>
+              </a:defRPr>
+            </a:lvl9pPr>
+          </a:lstStyle>
+          <a:p>
+            <a:pPr marL="0" indent="0">
+              <a:buNone/>
+            </a:pPr>
+            <a:endParaRPr lang="it-IT" sz="2000" dirty="0"/>
+          </a:p>
+          <a:p>
+            <a:r>
+              <a:rPr lang="it-IT" sz="2000" dirty="0"/>
+              <a:t>Come algoritmo di ricerca abbiamo deciso di implementare A* un algoritmo con euristica in quanto è stato notato che utilizzare una ricerca blind, come l’algoritmo profondità, comportava un tempo di ricerca troppo elevato non appena la soluzione si trovasse nell’albero di ricerca ad una profondità &gt;1. Al contrario una ricerca con euristica riusciva a raggiungere in maniera più efficiente e mirata la soluzione con una media di </a:t>
+            </a:r>
+            <a:r>
+              <a:rPr lang="it-IT" sz="2000" dirty="0" err="1"/>
+              <a:t>cira</a:t>
+            </a:r>
+            <a:r>
+              <a:rPr lang="it-IT" sz="2000"/>
+              <a:t> 3ms</a:t>
+            </a:r>
+            <a:r>
+              <a:rPr lang="it-IT" sz="2000" dirty="0"/>
+              <a:t>. </a:t>
+            </a:r>
+          </a:p>
+          <a:p>
+            <a:r>
+              <a:rPr lang="it-IT" sz="2000" dirty="0"/>
+              <a:t>È stato notato però che se il numero di swap diventa molto complesso, oltre i 15/20 anche l’algoritmo A* ci mette tempi molto elevati.</a:t>
+            </a:r>
+          </a:p>
+          <a:p>
+            <a:endParaRPr lang="it-IT" sz="2000" dirty="0"/>
+          </a:p>
+        </p:txBody>
+      </p:sp>
+      <p:pic>
+        <p:nvPicPr>
+          <p:cNvPr id="6" name="Immagine 5">
+            <a:extLst>
+              <a:ext uri="{FF2B5EF4-FFF2-40B4-BE49-F238E27FC236}">
+                <a16:creationId xmlns:a16="http://schemas.microsoft.com/office/drawing/2014/main" id="{FB2E6700-728D-AED8-1CF3-E5B7AD5CE9F7}"/>
+              </a:ext>
+            </a:extLst>
+          </p:cNvPr>
+          <p:cNvPicPr>
+            <a:picLocks noChangeAspect="1"/>
+          </p:cNvPicPr>
+          <p:nvPr/>
+        </p:nvPicPr>
+        <p:blipFill>
+          <a:blip r:embed="rId2"/>
+          <a:stretch>
+            <a:fillRect/>
+          </a:stretch>
+        </p:blipFill>
+        <p:spPr>
+          <a:xfrm>
+            <a:off x="6644867" y="666959"/>
+            <a:ext cx="3362303" cy="3907940"/>
+          </a:xfrm>
+          <a:prstGeom prst="rect">
+            <a:avLst/>
+          </a:prstGeom>
+        </p:spPr>
+      </p:pic>
+      <p:pic>
+        <p:nvPicPr>
+          <p:cNvPr id="8" name="Immagine 7">
+            <a:extLst>
+              <a:ext uri="{FF2B5EF4-FFF2-40B4-BE49-F238E27FC236}">
+                <a16:creationId xmlns:a16="http://schemas.microsoft.com/office/drawing/2014/main" id="{26E5DD8D-890C-F7C4-E069-802FB56B1708}"/>
+              </a:ext>
+            </a:extLst>
+          </p:cNvPr>
+          <p:cNvPicPr>
+            <a:picLocks noChangeAspect="1"/>
+          </p:cNvPicPr>
+          <p:nvPr/>
+        </p:nvPicPr>
+        <p:blipFill>
+          <a:blip r:embed="rId3"/>
+          <a:stretch>
+            <a:fillRect/>
+          </a:stretch>
+        </p:blipFill>
+        <p:spPr>
+          <a:xfrm>
+            <a:off x="6891129" y="4470996"/>
+            <a:ext cx="2027511" cy="1501384"/>
+          </a:xfrm>
+          <a:prstGeom prst="rect">
+            <a:avLst/>
+          </a:prstGeom>
+        </p:spPr>
+      </p:pic>
+    </p:spTree>
+    <p:extLst>
+      <p:ext uri="{BB962C8B-B14F-4D97-AF65-F5344CB8AC3E}">
+        <p14:creationId xmlns:p14="http://schemas.microsoft.com/office/powerpoint/2010/main" val="273198753"/>
+      </p:ext>
+    </p:extLst>
+  </p:cSld>
+  <p:clrMapOvr>
+    <a:masterClrMapping/>
+  </p:clrMapOvr>
+</p:sld>
+</file>
+
+<file path=ppt/slides/slide7.xml><?xml version="1.0" encoding="utf-8"?>
+<p:sld xmlns:a="http://schemas.openxmlformats.org/drawingml/2006/main" xmlns:r="http://schemas.openxmlformats.org/officeDocument/2006/relationships" xmlns:p="http://schemas.openxmlformats.org/presentationml/2006/main">
+  <p:cSld>
+    <p:spTree>
+      <p:nvGrpSpPr>
+        <p:cNvPr id="1" name=""/>
+        <p:cNvGrpSpPr/>
+        <p:nvPr/>
+      </p:nvGrpSpPr>
+      <p:grpSpPr>
+        <a:xfrm>
+          <a:off x="0" y="0"/>
+          <a:ext cx="0" cy="0"/>
+          <a:chOff x="0" y="0"/>
+          <a:chExt cx="0" cy="0"/>
+        </a:xfrm>
+      </p:grpSpPr>
+      <p:sp>
+        <p:nvSpPr>
+          <p:cNvPr id="4" name="Titolo 1">
+            <a:extLst>
+              <a:ext uri="{FF2B5EF4-FFF2-40B4-BE49-F238E27FC236}">
+                <a16:creationId xmlns:a16="http://schemas.microsoft.com/office/drawing/2014/main" id="{F1139ECB-2F55-C676-F810-08704D8DD026}"/>
+              </a:ext>
+            </a:extLst>
+          </p:cNvPr>
+          <p:cNvSpPr txBox="1">
+            <a:spLocks/>
+          </p:cNvSpPr>
+          <p:nvPr/>
+        </p:nvSpPr>
+        <p:spPr>
+          <a:xfrm>
+            <a:off x="1524000" y="2939601"/>
+            <a:ext cx="9144000" cy="978798"/>
+          </a:xfrm>
+          <a:prstGeom prst="rect">
+            <a:avLst/>
+          </a:prstGeom>
+        </p:spPr>
+        <p:txBody>
+          <a:bodyPr vert="horz" lIns="91440" tIns="45720" rIns="91440" bIns="45720" rtlCol="0" anchor="ctr">
+            <a:normAutofit/>
+          </a:bodyPr>
+          <a:lstStyle>
+            <a:lvl1pPr algn="l" defTabSz="914400" rtl="0" eaLnBrk="1" latinLnBrk="0" hangingPunct="1">
+              <a:lnSpc>
+                <a:spcPct val="90000"/>
+              </a:lnSpc>
+              <a:spcBef>
+                <a:spcPct val="0"/>
+              </a:spcBef>
+              <a:buNone/>
+              <a:defRPr sz="4400" kern="1200">
+                <a:solidFill>
+                  <a:schemeClr val="tx1"/>
+                </a:solidFill>
+                <a:latin typeface="+mj-lt"/>
+                <a:ea typeface="+mj-ea"/>
+                <a:cs typeface="+mj-cs"/>
+              </a:defRPr>
+            </a:lvl1pPr>
+          </a:lstStyle>
+          <a:p>
+            <a:pPr algn="ctr"/>
+            <a:r>
+              <a:rPr lang="it-IT" sz="6000" dirty="0" err="1"/>
+              <a:t>Clingo</a:t>
+            </a:r>
+            <a:endParaRPr lang="it-IT" sz="6000" dirty="0"/>
+          </a:p>
+        </p:txBody>
+      </p:sp>
+    </p:spTree>
+    <p:extLst>
+      <p:ext uri="{BB962C8B-B14F-4D97-AF65-F5344CB8AC3E}">
+        <p14:creationId xmlns:p14="http://schemas.microsoft.com/office/powerpoint/2010/main" val="4230851101"/>
+      </p:ext>
+    </p:extLst>
+  </p:cSld>
+  <p:clrMapOvr>
+    <a:masterClrMapping/>
+  </p:clrMapOvr>
+</p:sld>
+</file>
+
+<file path=ppt/slides/slide8.xml><?xml version="1.0" encoding="utf-8"?>
+<p:sld xmlns:a="http://schemas.openxmlformats.org/drawingml/2006/main" xmlns:r="http://schemas.openxmlformats.org/officeDocument/2006/relationships" xmlns:p="http://schemas.openxmlformats.org/presentationml/2006/main">
+  <p:cSld>
+    <p:spTree>
+      <p:nvGrpSpPr>
+        <p:cNvPr id="1" name=""/>
+        <p:cNvGrpSpPr/>
+        <p:nvPr/>
+      </p:nvGrpSpPr>
+      <p:grpSpPr>
+        <a:xfrm>
+          <a:off x="0" y="0"/>
+          <a:ext cx="0" cy="0"/>
+          <a:chOff x="0" y="0"/>
+          <a:chExt cx="0" cy="0"/>
+        </a:xfrm>
+      </p:grpSpPr>
+      <p:sp>
+        <p:nvSpPr>
+          <p:cNvPr id="4" name="Segnaposto testo 3">
+            <a:extLst>
+              <a:ext uri="{FF2B5EF4-FFF2-40B4-BE49-F238E27FC236}">
+                <a16:creationId xmlns:a16="http://schemas.microsoft.com/office/drawing/2014/main" id="{AB3CA44D-BD4D-4ADF-BEA5-2C092E8C41A9}"/>
+              </a:ext>
+            </a:extLst>
+          </p:cNvPr>
+          <p:cNvSpPr>
+            <a:spLocks noGrp="1"/>
+          </p:cNvSpPr>
+          <p:nvPr>
+            <p:ph type="body" sz="half" idx="2"/>
+          </p:nvPr>
+        </p:nvSpPr>
+        <p:spPr>
+          <a:xfrm>
+            <a:off x="1425714" y="1460349"/>
+            <a:ext cx="3932237" cy="3690314"/>
+          </a:xfrm>
+        </p:spPr>
+        <p:txBody>
+          <a:bodyPr>
+            <a:normAutofit/>
+          </a:bodyPr>
+          <a:lstStyle/>
+          <a:p>
+            <a:r>
+              <a:rPr lang="it-IT" sz="2000" dirty="0"/>
+              <a:t>Il progetto di </a:t>
+            </a:r>
+            <a:r>
+              <a:rPr lang="it-IT" sz="2000" dirty="0" err="1"/>
+              <a:t>clingo</a:t>
+            </a:r>
+            <a:r>
+              <a:rPr lang="it-IT" sz="2000" dirty="0"/>
+              <a:t> richiedeva la generazione di un calendario per un campionato di calcio composto da 20 squadre e 38 giornate 19 di andata e 19 di ritorno e dovevano essere rispettati dei vincoli per la generazione del calendario</a:t>
+            </a:r>
+          </a:p>
+          <a:p>
+            <a:endParaRPr lang="it-IT" sz="2000" dirty="0"/>
+          </a:p>
+          <a:p>
+            <a:r>
+              <a:rPr lang="it-IT" sz="2000" dirty="0"/>
+              <a:t>È stato preso come esempio il campionato italiano composto per l’appunto da 20 squadre appartenenti alle rispettive citta</a:t>
+            </a:r>
+          </a:p>
+        </p:txBody>
+      </p:sp>
+      <p:pic>
+        <p:nvPicPr>
+          <p:cNvPr id="10" name="Segnaposto contenuto 9">
+            <a:extLst>
+              <a:ext uri="{FF2B5EF4-FFF2-40B4-BE49-F238E27FC236}">
+                <a16:creationId xmlns:a16="http://schemas.microsoft.com/office/drawing/2014/main" id="{4007B781-F224-4AF1-B522-52FDB5D03CDE}"/>
+              </a:ext>
+            </a:extLst>
+          </p:cNvPr>
+          <p:cNvPicPr>
+            <a:picLocks noGrp="1" noChangeAspect="1"/>
+          </p:cNvPicPr>
+          <p:nvPr>
+            <p:ph idx="1"/>
+          </p:nvPr>
+        </p:nvPicPr>
+        <p:blipFill>
+          <a:blip r:embed="rId2"/>
+          <a:stretch>
+            <a:fillRect/>
+          </a:stretch>
+        </p:blipFill>
+        <p:spPr>
+          <a:xfrm>
+            <a:off x="7359588" y="1215699"/>
+            <a:ext cx="3018409" cy="5033749"/>
+          </a:xfrm>
+        </p:spPr>
+      </p:pic>
+    </p:spTree>
+    <p:extLst>
+      <p:ext uri="{BB962C8B-B14F-4D97-AF65-F5344CB8AC3E}">
+        <p14:creationId xmlns:p14="http://schemas.microsoft.com/office/powerpoint/2010/main" val="1392999892"/>
+      </p:ext>
+    </p:extLst>
+  </p:cSld>
+  <p:clrMapOvr>
+    <a:masterClrMapping/>
+  </p:clrMapOvr>
+</p:sld>
+</file>
+
+<file path=ppt/slides/slide9.xml><?xml version="1.0" encoding="utf-8"?>
+<p:sld xmlns:a="http://schemas.openxmlformats.org/drawingml/2006/main" xmlns:r="http://schemas.openxmlformats.org/officeDocument/2006/relationships" xmlns:p="http://schemas.openxmlformats.org/presentationml/2006/main">
+  <p:cSld>
+    <p:spTree>
+      <p:nvGrpSpPr>
+        <p:cNvPr id="1" name=""/>
+        <p:cNvGrpSpPr/>
+        <p:nvPr/>
+      </p:nvGrpSpPr>
+      <p:grpSpPr>
+        <a:xfrm>
+          <a:off x="0" y="0"/>
+          <a:ext cx="0" cy="0"/>
+          <a:chOff x="0" y="0"/>
+          <a:chExt cx="0" cy="0"/>
+        </a:xfrm>
+      </p:grpSpPr>
+      <p:sp>
+        <p:nvSpPr>
+          <p:cNvPr id="4" name="Segnaposto testo 3">
+            <a:extLst>
+              <a:ext uri="{FF2B5EF4-FFF2-40B4-BE49-F238E27FC236}">
+                <a16:creationId xmlns:a16="http://schemas.microsoft.com/office/drawing/2014/main" id="{A88B8DB6-56FA-4741-9ACE-9BB25C32EF1D}"/>
+              </a:ext>
+            </a:extLst>
+          </p:cNvPr>
+          <p:cNvSpPr>
+            <a:spLocks noGrp="1"/>
+          </p:cNvSpPr>
+          <p:nvPr>
+            <p:ph type="body" sz="half" idx="2"/>
+          </p:nvPr>
+        </p:nvSpPr>
+        <p:spPr>
+          <a:xfrm>
+            <a:off x="322555" y="428081"/>
+            <a:ext cx="3932237" cy="3984122"/>
+          </a:xfrm>
+        </p:spPr>
+        <p:txBody>
+          <a:bodyPr>
+            <a:noAutofit/>
+          </a:bodyPr>
+          <a:lstStyle/>
+          <a:p>
+            <a:r>
+              <a:rPr lang="it-IT" sz="1700" dirty="0"/>
+              <a:t>Ogni città offre uno stadio che viene assegnato alla squadra di appartenenza in cui giocherà durante il campionato le partite in casa</a:t>
+            </a:r>
+          </a:p>
+          <a:p>
+            <a:r>
+              <a:rPr lang="it-IT" sz="1700" dirty="0"/>
+              <a:t>Generiamo le partite che saranno 10 per ogni giornata di andata e 10 per ogni giornata di ritorno, andando a specificare che:</a:t>
+            </a:r>
+          </a:p>
+          <a:p>
+            <a:pPr marL="285750" indent="-285750">
+              <a:buFont typeface="Arial" panose="020B0604020202020204" pitchFamily="34" charset="0"/>
+              <a:buChar char="•"/>
+            </a:pPr>
+            <a:r>
+              <a:rPr lang="it-IT" sz="1700" dirty="0"/>
+              <a:t>non ci possono essere due partite uguali o a campi invertiti nella stessa giornata o in giornate diverse</a:t>
+            </a:r>
+          </a:p>
+          <a:p>
+            <a:pPr marL="285750" indent="-285750">
+              <a:buFont typeface="Arial" panose="020B0604020202020204" pitchFamily="34" charset="0"/>
+              <a:buChar char="•"/>
+            </a:pPr>
+            <a:r>
+              <a:rPr lang="it-IT" sz="1700" dirty="0"/>
+              <a:t>due squadre della stessa città non possono giocare entrambe in casa durante la medesima giornata di andata o di ritorno perché condividono lo stesso sta</a:t>
+            </a:r>
+          </a:p>
+        </p:txBody>
+      </p:sp>
+      <p:pic>
+        <p:nvPicPr>
+          <p:cNvPr id="5" name="Segnaposto contenuto 4">
+            <a:extLst>
+              <a:ext uri="{FF2B5EF4-FFF2-40B4-BE49-F238E27FC236}">
+                <a16:creationId xmlns:a16="http://schemas.microsoft.com/office/drawing/2014/main" id="{61E82DDB-7392-481D-851D-E4CC390403E4}"/>
+              </a:ext>
+            </a:extLst>
+          </p:cNvPr>
+          <p:cNvPicPr>
+            <a:picLocks noGrp="1" noChangeAspect="1"/>
+          </p:cNvPicPr>
+          <p:nvPr>
+            <p:ph idx="1"/>
+          </p:nvPr>
+        </p:nvPicPr>
+        <p:blipFill>
+          <a:blip r:embed="rId2"/>
+          <a:stretch>
+            <a:fillRect/>
+          </a:stretch>
+        </p:blipFill>
+        <p:spPr>
+          <a:xfrm>
+            <a:off x="5086905" y="765684"/>
+            <a:ext cx="6774235" cy="3293629"/>
+          </a:xfrm>
+          <a:prstGeom prst="rect">
+            <a:avLst/>
+          </a:prstGeom>
+        </p:spPr>
+      </p:pic>
+      <p:pic>
+        <p:nvPicPr>
+          <p:cNvPr id="7" name="Immagine 6">
+            <a:extLst>
+              <a:ext uri="{FF2B5EF4-FFF2-40B4-BE49-F238E27FC236}">
+                <a16:creationId xmlns:a16="http://schemas.microsoft.com/office/drawing/2014/main" id="{E3214018-4412-45FE-ACAA-0DA0BD6C32BA}"/>
+              </a:ext>
+            </a:extLst>
+          </p:cNvPr>
+          <p:cNvPicPr>
+            <a:picLocks noChangeAspect="1"/>
+          </p:cNvPicPr>
+          <p:nvPr/>
+        </p:nvPicPr>
+        <p:blipFill>
+          <a:blip r:embed="rId3"/>
+          <a:stretch>
+            <a:fillRect/>
+          </a:stretch>
+        </p:blipFill>
+        <p:spPr>
+          <a:xfrm>
+            <a:off x="2919167" y="4559043"/>
+            <a:ext cx="8950278" cy="741194"/>
+          </a:xfrm>
+          <a:prstGeom prst="rect">
+            <a:avLst/>
+          </a:prstGeom>
+        </p:spPr>
+      </p:pic>
+      <p:pic>
+        <p:nvPicPr>
+          <p:cNvPr id="9" name="Immagine 8">
+            <a:extLst>
+              <a:ext uri="{FF2B5EF4-FFF2-40B4-BE49-F238E27FC236}">
+                <a16:creationId xmlns:a16="http://schemas.microsoft.com/office/drawing/2014/main" id="{E63B12B5-FF74-4899-A695-26C932E1C9C8}"/>
+              </a:ext>
+            </a:extLst>
+          </p:cNvPr>
+          <p:cNvPicPr>
+            <a:picLocks noChangeAspect="1"/>
+          </p:cNvPicPr>
+          <p:nvPr/>
+        </p:nvPicPr>
+        <p:blipFill>
+          <a:blip r:embed="rId4"/>
+          <a:stretch>
+            <a:fillRect/>
+          </a:stretch>
+        </p:blipFill>
+        <p:spPr>
+          <a:xfrm>
+            <a:off x="2919168" y="5799967"/>
+            <a:ext cx="8950278" cy="786685"/>
+          </a:xfrm>
+          <a:prstGeom prst="rect">
+            <a:avLst/>
+          </a:prstGeom>
+        </p:spPr>
+      </p:pic>
+    </p:spTree>
+    <p:extLst>
+      <p:ext uri="{BB962C8B-B14F-4D97-AF65-F5344CB8AC3E}">
+        <p14:creationId xmlns:p14="http://schemas.microsoft.com/office/powerpoint/2010/main" val="3735282083"/>
       </p:ext>
     </p:extLst>
   </p:cSld>

--- a/Presentazioni/Presentazione_Pozzato.pptx
+++ b/Presentazioni/Presentazione_Pozzato.pptx
@@ -10,14 +10,15 @@
     <p:sldId id="265" r:id="rId4"/>
     <p:sldId id="266" r:id="rId5"/>
     <p:sldId id="267" r:id="rId6"/>
-    <p:sldId id="268" r:id="rId7"/>
-    <p:sldId id="264" r:id="rId8"/>
-    <p:sldId id="257" r:id="rId9"/>
-    <p:sldId id="258" r:id="rId10"/>
-    <p:sldId id="259" r:id="rId11"/>
-    <p:sldId id="260" r:id="rId12"/>
-    <p:sldId id="261" r:id="rId13"/>
-    <p:sldId id="262" r:id="rId14"/>
+    <p:sldId id="269" r:id="rId7"/>
+    <p:sldId id="268" r:id="rId8"/>
+    <p:sldId id="264" r:id="rId9"/>
+    <p:sldId id="257" r:id="rId10"/>
+    <p:sldId id="258" r:id="rId11"/>
+    <p:sldId id="259" r:id="rId12"/>
+    <p:sldId id="260" r:id="rId13"/>
+    <p:sldId id="261" r:id="rId14"/>
+    <p:sldId id="262" r:id="rId15"/>
   </p:sldIdLst>
   <p:sldSz cx="12192000" cy="6858000"/>
   <p:notesSz cx="6858000" cy="9144000"/>
@@ -599,7 +600,7 @@
           <a:p>
             <a:fld id="{B64B7556-49F2-4736-B3F9-00EDF3B414DB}" type="datetimeFigureOut">
               <a:rPr lang="it-IT" smtClean="0"/>
-              <a:t>03/06/2022</a:t>
+              <a:t>04/06/2022</a:t>
             </a:fld>
             <a:endParaRPr lang="it-IT"/>
           </a:p>
@@ -797,7 +798,7 @@
           <a:p>
             <a:fld id="{B64B7556-49F2-4736-B3F9-00EDF3B414DB}" type="datetimeFigureOut">
               <a:rPr lang="it-IT" smtClean="0"/>
-              <a:t>03/06/2022</a:t>
+              <a:t>04/06/2022</a:t>
             </a:fld>
             <a:endParaRPr lang="it-IT"/>
           </a:p>
@@ -1005,7 +1006,7 @@
           <a:p>
             <a:fld id="{B64B7556-49F2-4736-B3F9-00EDF3B414DB}" type="datetimeFigureOut">
               <a:rPr lang="it-IT" smtClean="0"/>
-              <a:t>03/06/2022</a:t>
+              <a:t>04/06/2022</a:t>
             </a:fld>
             <a:endParaRPr lang="it-IT"/>
           </a:p>
@@ -1203,7 +1204,7 @@
           <a:p>
             <a:fld id="{B64B7556-49F2-4736-B3F9-00EDF3B414DB}" type="datetimeFigureOut">
               <a:rPr lang="it-IT" smtClean="0"/>
-              <a:t>03/06/2022</a:t>
+              <a:t>04/06/2022</a:t>
             </a:fld>
             <a:endParaRPr lang="it-IT"/>
           </a:p>
@@ -1478,7 +1479,7 @@
           <a:p>
             <a:fld id="{B64B7556-49F2-4736-B3F9-00EDF3B414DB}" type="datetimeFigureOut">
               <a:rPr lang="it-IT" smtClean="0"/>
-              <a:t>03/06/2022</a:t>
+              <a:t>04/06/2022</a:t>
             </a:fld>
             <a:endParaRPr lang="it-IT"/>
           </a:p>
@@ -1743,7 +1744,7 @@
           <a:p>
             <a:fld id="{B64B7556-49F2-4736-B3F9-00EDF3B414DB}" type="datetimeFigureOut">
               <a:rPr lang="it-IT" smtClean="0"/>
-              <a:t>03/06/2022</a:t>
+              <a:t>04/06/2022</a:t>
             </a:fld>
             <a:endParaRPr lang="it-IT"/>
           </a:p>
@@ -2155,7 +2156,7 @@
           <a:p>
             <a:fld id="{B64B7556-49F2-4736-B3F9-00EDF3B414DB}" type="datetimeFigureOut">
               <a:rPr lang="it-IT" smtClean="0"/>
-              <a:t>03/06/2022</a:t>
+              <a:t>04/06/2022</a:t>
             </a:fld>
             <a:endParaRPr lang="it-IT"/>
           </a:p>
@@ -2296,7 +2297,7 @@
           <a:p>
             <a:fld id="{B64B7556-49F2-4736-B3F9-00EDF3B414DB}" type="datetimeFigureOut">
               <a:rPr lang="it-IT" smtClean="0"/>
-              <a:t>03/06/2022</a:t>
+              <a:t>04/06/2022</a:t>
             </a:fld>
             <a:endParaRPr lang="it-IT"/>
           </a:p>
@@ -2409,7 +2410,7 @@
           <a:p>
             <a:fld id="{B64B7556-49F2-4736-B3F9-00EDF3B414DB}" type="datetimeFigureOut">
               <a:rPr lang="it-IT" smtClean="0"/>
-              <a:t>03/06/2022</a:t>
+              <a:t>04/06/2022</a:t>
             </a:fld>
             <a:endParaRPr lang="it-IT"/>
           </a:p>
@@ -2720,7 +2721,7 @@
           <a:p>
             <a:fld id="{B64B7556-49F2-4736-B3F9-00EDF3B414DB}" type="datetimeFigureOut">
               <a:rPr lang="it-IT" smtClean="0"/>
-              <a:t>03/06/2022</a:t>
+              <a:t>04/06/2022</a:t>
             </a:fld>
             <a:endParaRPr lang="it-IT"/>
           </a:p>
@@ -3008,7 +3009,7 @@
           <a:p>
             <a:fld id="{B64B7556-49F2-4736-B3F9-00EDF3B414DB}" type="datetimeFigureOut">
               <a:rPr lang="it-IT" smtClean="0"/>
-              <a:t>03/06/2022</a:t>
+              <a:t>04/06/2022</a:t>
             </a:fld>
             <a:endParaRPr lang="it-IT"/>
           </a:p>
@@ -3249,7 +3250,7 @@
           <a:p>
             <a:fld id="{B64B7556-49F2-4736-B3F9-00EDF3B414DB}" type="datetimeFigureOut">
               <a:rPr lang="it-IT" smtClean="0"/>
-              <a:t>03/06/2022</a:t>
+              <a:t>04/06/2022</a:t>
             </a:fld>
             <a:endParaRPr lang="it-IT"/>
           </a:p>
@@ -3780,6 +3781,189 @@
           <a:chExt cx="0" cy="0"/>
         </a:xfrm>
       </p:grpSpPr>
+      <p:sp>
+        <p:nvSpPr>
+          <p:cNvPr id="4" name="Segnaposto testo 3">
+            <a:extLst>
+              <a:ext uri="{FF2B5EF4-FFF2-40B4-BE49-F238E27FC236}">
+                <a16:creationId xmlns:a16="http://schemas.microsoft.com/office/drawing/2014/main" id="{A88B8DB6-56FA-4741-9ACE-9BB25C32EF1D}"/>
+              </a:ext>
+            </a:extLst>
+          </p:cNvPr>
+          <p:cNvSpPr>
+            <a:spLocks noGrp="1"/>
+          </p:cNvSpPr>
+          <p:nvPr>
+            <p:ph type="body" sz="half" idx="2"/>
+          </p:nvPr>
+        </p:nvSpPr>
+        <p:spPr>
+          <a:xfrm>
+            <a:off x="322555" y="428081"/>
+            <a:ext cx="3932237" cy="3984122"/>
+          </a:xfrm>
+        </p:spPr>
+        <p:txBody>
+          <a:bodyPr>
+            <a:noAutofit/>
+          </a:bodyPr>
+          <a:lstStyle/>
+          <a:p>
+            <a:r>
+              <a:rPr lang="it-IT" sz="1700" dirty="0"/>
+              <a:t>Ogni città offre uno stadio che viene assegnato alla squadra di appartenenza in cui giocherà durante il campionato le partite in casa</a:t>
+            </a:r>
+          </a:p>
+          <a:p>
+            <a:r>
+              <a:rPr lang="it-IT" sz="1700" dirty="0"/>
+              <a:t>Generiamo le partite che saranno 10 per ogni giornata di andata e 10 per ogni giornata di ritorno, andando a specificare che:</a:t>
+            </a:r>
+          </a:p>
+          <a:p>
+            <a:pPr marL="285750" indent="-285750">
+              <a:buFont typeface="Arial" panose="020B0604020202020204" pitchFamily="34" charset="0"/>
+              <a:buChar char="•"/>
+            </a:pPr>
+            <a:r>
+              <a:rPr lang="it-IT" sz="1700" dirty="0"/>
+              <a:t>non ci possono essere due partite uguali o a campi invertiti nella stessa giornata o in giornate diverse</a:t>
+            </a:r>
+          </a:p>
+          <a:p>
+            <a:pPr marL="285750" indent="-285750">
+              <a:buFont typeface="Arial" panose="020B0604020202020204" pitchFamily="34" charset="0"/>
+              <a:buChar char="•"/>
+            </a:pPr>
+            <a:r>
+              <a:rPr lang="it-IT" sz="1700" dirty="0"/>
+              <a:t>due squadre della stessa città non possono giocare entrambe in casa durante la medesima giornata di andata o di ritorno perché condividono lo stesso sta</a:t>
+            </a:r>
+          </a:p>
+        </p:txBody>
+      </p:sp>
+      <p:pic>
+        <p:nvPicPr>
+          <p:cNvPr id="5" name="Segnaposto contenuto 4">
+            <a:extLst>
+              <a:ext uri="{FF2B5EF4-FFF2-40B4-BE49-F238E27FC236}">
+                <a16:creationId xmlns:a16="http://schemas.microsoft.com/office/drawing/2014/main" id="{61E82DDB-7392-481D-851D-E4CC390403E4}"/>
+              </a:ext>
+            </a:extLst>
+          </p:cNvPr>
+          <p:cNvPicPr>
+            <a:picLocks noGrp="1" noChangeAspect="1"/>
+          </p:cNvPicPr>
+          <p:nvPr>
+            <p:ph idx="1"/>
+          </p:nvPr>
+        </p:nvPicPr>
+        <p:blipFill>
+          <a:blip r:embed="rId2"/>
+          <a:stretch>
+            <a:fillRect/>
+          </a:stretch>
+        </p:blipFill>
+        <p:spPr>
+          <a:xfrm>
+            <a:off x="5086905" y="765684"/>
+            <a:ext cx="6774235" cy="3293629"/>
+          </a:xfrm>
+          <a:prstGeom prst="rect">
+            <a:avLst/>
+          </a:prstGeom>
+        </p:spPr>
+      </p:pic>
+      <p:pic>
+        <p:nvPicPr>
+          <p:cNvPr id="7" name="Immagine 6">
+            <a:extLst>
+              <a:ext uri="{FF2B5EF4-FFF2-40B4-BE49-F238E27FC236}">
+                <a16:creationId xmlns:a16="http://schemas.microsoft.com/office/drawing/2014/main" id="{E3214018-4412-45FE-ACAA-0DA0BD6C32BA}"/>
+              </a:ext>
+            </a:extLst>
+          </p:cNvPr>
+          <p:cNvPicPr>
+            <a:picLocks noChangeAspect="1"/>
+          </p:cNvPicPr>
+          <p:nvPr/>
+        </p:nvPicPr>
+        <p:blipFill>
+          <a:blip r:embed="rId3"/>
+          <a:stretch>
+            <a:fillRect/>
+          </a:stretch>
+        </p:blipFill>
+        <p:spPr>
+          <a:xfrm>
+            <a:off x="2919167" y="4559043"/>
+            <a:ext cx="8950278" cy="741194"/>
+          </a:xfrm>
+          <a:prstGeom prst="rect">
+            <a:avLst/>
+          </a:prstGeom>
+        </p:spPr>
+      </p:pic>
+      <p:pic>
+        <p:nvPicPr>
+          <p:cNvPr id="9" name="Immagine 8">
+            <a:extLst>
+              <a:ext uri="{FF2B5EF4-FFF2-40B4-BE49-F238E27FC236}">
+                <a16:creationId xmlns:a16="http://schemas.microsoft.com/office/drawing/2014/main" id="{E63B12B5-FF74-4899-A695-26C932E1C9C8}"/>
+              </a:ext>
+            </a:extLst>
+          </p:cNvPr>
+          <p:cNvPicPr>
+            <a:picLocks noChangeAspect="1"/>
+          </p:cNvPicPr>
+          <p:nvPr/>
+        </p:nvPicPr>
+        <p:blipFill>
+          <a:blip r:embed="rId4"/>
+          <a:stretch>
+            <a:fillRect/>
+          </a:stretch>
+        </p:blipFill>
+        <p:spPr>
+          <a:xfrm>
+            <a:off x="2919168" y="5799967"/>
+            <a:ext cx="8950278" cy="786685"/>
+          </a:xfrm>
+          <a:prstGeom prst="rect">
+            <a:avLst/>
+          </a:prstGeom>
+        </p:spPr>
+      </p:pic>
+    </p:spTree>
+    <p:extLst>
+      <p:ext uri="{BB962C8B-B14F-4D97-AF65-F5344CB8AC3E}">
+        <p14:creationId xmlns:p14="http://schemas.microsoft.com/office/powerpoint/2010/main" val="3735282083"/>
+      </p:ext>
+    </p:extLst>
+  </p:cSld>
+  <p:clrMapOvr>
+    <a:masterClrMapping/>
+  </p:clrMapOvr>
+</p:sld>
+</file>
+
+<file path=ppt/slides/slide11.xml><?xml version="1.0" encoding="utf-8"?>
+<p:sld xmlns:a="http://schemas.openxmlformats.org/drawingml/2006/main" xmlns:r="http://schemas.openxmlformats.org/officeDocument/2006/relationships" xmlns:p="http://schemas.openxmlformats.org/presentationml/2006/main">
+  <p:cSld>
+    <p:spTree>
+      <p:nvGrpSpPr>
+        <p:cNvPr id="1" name=""/>
+        <p:cNvGrpSpPr/>
+        <p:nvPr/>
+      </p:nvGrpSpPr>
+      <p:grpSpPr>
+        <a:xfrm>
+          <a:off x="0" y="0"/>
+          <a:ext cx="0" cy="0"/>
+          <a:chOff x="0" y="0"/>
+          <a:chExt cx="0" cy="0"/>
+        </a:xfrm>
+      </p:grpSpPr>
       <p:pic>
         <p:nvPicPr>
           <p:cNvPr id="6" name="Segnaposto contenuto 5">
@@ -4019,7 +4203,7 @@
 </p:sld>
 </file>
 
-<file path=ppt/slides/slide11.xml><?xml version="1.0" encoding="utf-8"?>
+<file path=ppt/slides/slide12.xml><?xml version="1.0" encoding="utf-8"?>
 <p:sld xmlns:a="http://schemas.openxmlformats.org/drawingml/2006/main" xmlns:r="http://schemas.openxmlformats.org/officeDocument/2006/relationships" xmlns:p="http://schemas.openxmlformats.org/presentationml/2006/main">
   <p:cSld>
     <p:spTree>
@@ -4211,7 +4395,7 @@
 </p:sld>
 </file>
 
-<file path=ppt/slides/slide12.xml><?xml version="1.0" encoding="utf-8"?>
+<file path=ppt/slides/slide13.xml><?xml version="1.0" encoding="utf-8"?>
 <p:sld xmlns:a="http://schemas.openxmlformats.org/drawingml/2006/main" xmlns:r="http://schemas.openxmlformats.org/officeDocument/2006/relationships" xmlns:p="http://schemas.openxmlformats.org/presentationml/2006/main">
   <p:cSld>
     <p:spTree>
@@ -4271,7 +4455,7 @@
 </p:sld>
 </file>
 
-<file path=ppt/slides/slide13.xml><?xml version="1.0" encoding="utf-8"?>
+<file path=ppt/slides/slide14.xml><?xml version="1.0" encoding="utf-8"?>
 <p:sld xmlns:a="http://schemas.openxmlformats.org/drawingml/2006/main" xmlns:r="http://schemas.openxmlformats.org/officeDocument/2006/relationships" xmlns:p="http://schemas.openxmlformats.org/presentationml/2006/main">
   <p:cSld>
     <p:spTree>
@@ -5274,15 +5458,7 @@
           <a:p>
             <a:r>
               <a:rPr lang="it-IT" sz="2000" dirty="0"/>
-              <a:t>Sempre per ragioni di comodità implementativa abbiamo </a:t>
-            </a:r>
-            <a:r>
-              <a:rPr lang="it-IT" sz="2000" dirty="0" err="1"/>
-              <a:t>ragruppato</a:t>
-            </a:r>
-            <a:r>
-              <a:rPr lang="it-IT" sz="2000" dirty="0"/>
-              <a:t> tutte le informazioni che caratterizzano lo stato in un unico fatto s(matrice, </a:t>
+              <a:t>Sempre per ragioni di comodità implementativa abbiamo raggruppato tutte le informazioni che caratterizzano lo stato in un unico fatto s(matrice, </a:t>
             </a:r>
             <a:r>
               <a:rPr lang="it-IT" sz="2000" dirty="0" err="1"/>
@@ -5396,7 +5572,7 @@
           <p:cNvPr id="4" name="Segnaposto testo 3">
             <a:extLst>
               <a:ext uri="{FF2B5EF4-FFF2-40B4-BE49-F238E27FC236}">
-                <a16:creationId xmlns:a16="http://schemas.microsoft.com/office/drawing/2014/main" id="{EBD0AD3F-C203-BB3E-CC50-AAD5A8DA5DEE}"/>
+                <a16:creationId xmlns:a16="http://schemas.microsoft.com/office/drawing/2014/main" id="{76E87876-F7BF-7BD4-A054-852BE4E85F63}"/>
               </a:ext>
             </a:extLst>
           </p:cNvPr>
@@ -5407,8 +5583,8 @@
         </p:nvSpPr>
         <p:spPr>
           <a:xfrm>
-            <a:off x="1510748" y="1152940"/>
-            <a:ext cx="4036387" cy="4260573"/>
+            <a:off x="1470991" y="2168387"/>
+            <a:ext cx="4036387" cy="2521226"/>
           </a:xfrm>
           <a:prstGeom prst="rect">
             <a:avLst/>
@@ -5416,7 +5592,7 @@
         </p:spPr>
         <p:txBody>
           <a:bodyPr>
-            <a:normAutofit fontScale="92500" lnSpcReduction="20000"/>
+            <a:normAutofit/>
           </a:bodyPr>
           <a:lstStyle>
             <a:lvl1pPr marL="228600" indent="-228600" algn="l" defTabSz="914400" rtl="0" eaLnBrk="1" latinLnBrk="0" hangingPunct="1">
@@ -5591,6 +5767,279 @@
           <a:p>
             <a:r>
               <a:rPr lang="it-IT" sz="2000" dirty="0"/>
+              <a:t>Prima di fare un qualunque swap bisogna verificare che l’azione si possa fare ovvero non si potrà mai </a:t>
+            </a:r>
+            <a:r>
+              <a:rPr lang="it-IT" sz="2000" dirty="0" err="1"/>
+              <a:t>swappare</a:t>
+            </a:r>
+            <a:r>
+              <a:rPr lang="it-IT" sz="2000" dirty="0"/>
+              <a:t> verso l’esterno della matrice nel caso in cui lo 0 si trovasse sulla prima o ultima riga/colonna.</a:t>
+            </a:r>
+          </a:p>
+        </p:txBody>
+      </p:sp>
+      <p:pic>
+        <p:nvPicPr>
+          <p:cNvPr id="6" name="Immagine 5">
+            <a:extLst>
+              <a:ext uri="{FF2B5EF4-FFF2-40B4-BE49-F238E27FC236}">
+                <a16:creationId xmlns:a16="http://schemas.microsoft.com/office/drawing/2014/main" id="{D775A669-E585-BDB4-6BB1-55289019CC95}"/>
+              </a:ext>
+            </a:extLst>
+          </p:cNvPr>
+          <p:cNvPicPr>
+            <a:picLocks noChangeAspect="1"/>
+          </p:cNvPicPr>
+          <p:nvPr/>
+        </p:nvPicPr>
+        <p:blipFill>
+          <a:blip r:embed="rId2"/>
+          <a:stretch>
+            <a:fillRect/>
+          </a:stretch>
+        </p:blipFill>
+        <p:spPr>
+          <a:xfrm>
+            <a:off x="6182138" y="1515968"/>
+            <a:ext cx="4162011" cy="3826064"/>
+          </a:xfrm>
+          <a:prstGeom prst="rect">
+            <a:avLst/>
+          </a:prstGeom>
+        </p:spPr>
+      </p:pic>
+    </p:spTree>
+    <p:extLst>
+      <p:ext uri="{BB962C8B-B14F-4D97-AF65-F5344CB8AC3E}">
+        <p14:creationId xmlns:p14="http://schemas.microsoft.com/office/powerpoint/2010/main" val="884148692"/>
+      </p:ext>
+    </p:extLst>
+  </p:cSld>
+  <p:clrMapOvr>
+    <a:masterClrMapping/>
+  </p:clrMapOvr>
+</p:sld>
+</file>
+
+<file path=ppt/slides/slide7.xml><?xml version="1.0" encoding="utf-8"?>
+<p:sld xmlns:a="http://schemas.openxmlformats.org/drawingml/2006/main" xmlns:r="http://schemas.openxmlformats.org/officeDocument/2006/relationships" xmlns:p="http://schemas.openxmlformats.org/presentationml/2006/main">
+  <p:cSld>
+    <p:spTree>
+      <p:nvGrpSpPr>
+        <p:cNvPr id="1" name=""/>
+        <p:cNvGrpSpPr/>
+        <p:nvPr/>
+      </p:nvGrpSpPr>
+      <p:grpSpPr>
+        <a:xfrm>
+          <a:off x="0" y="0"/>
+          <a:ext cx="0" cy="0"/>
+          <a:chOff x="0" y="0"/>
+          <a:chExt cx="0" cy="0"/>
+        </a:xfrm>
+      </p:grpSpPr>
+      <p:sp>
+        <p:nvSpPr>
+          <p:cNvPr id="4" name="Segnaposto testo 3">
+            <a:extLst>
+              <a:ext uri="{FF2B5EF4-FFF2-40B4-BE49-F238E27FC236}">
+                <a16:creationId xmlns:a16="http://schemas.microsoft.com/office/drawing/2014/main" id="{EBD0AD3F-C203-BB3E-CC50-AAD5A8DA5DEE}"/>
+              </a:ext>
+            </a:extLst>
+          </p:cNvPr>
+          <p:cNvSpPr txBox="1">
+            <a:spLocks/>
+          </p:cNvSpPr>
+          <p:nvPr/>
+        </p:nvSpPr>
+        <p:spPr>
+          <a:xfrm>
+            <a:off x="1510748" y="1152940"/>
+            <a:ext cx="4036387" cy="4260573"/>
+          </a:xfrm>
+          <a:prstGeom prst="rect">
+            <a:avLst/>
+          </a:prstGeom>
+        </p:spPr>
+        <p:txBody>
+          <a:bodyPr>
+            <a:normAutofit fontScale="85000" lnSpcReduction="20000"/>
+          </a:bodyPr>
+          <a:lstStyle>
+            <a:lvl1pPr marL="228600" indent="-228600" algn="l" defTabSz="914400" rtl="0" eaLnBrk="1" latinLnBrk="0" hangingPunct="1">
+              <a:lnSpc>
+                <a:spcPct val="90000"/>
+              </a:lnSpc>
+              <a:spcBef>
+                <a:spcPts val="1000"/>
+              </a:spcBef>
+              <a:buFont typeface="Arial" panose="020B0604020202020204" pitchFamily="34" charset="0"/>
+              <a:buChar char="•"/>
+              <a:defRPr sz="2800" kern="1200">
+                <a:solidFill>
+                  <a:schemeClr val="tx1"/>
+                </a:solidFill>
+                <a:latin typeface="+mn-lt"/>
+                <a:ea typeface="+mn-ea"/>
+                <a:cs typeface="+mn-cs"/>
+              </a:defRPr>
+            </a:lvl1pPr>
+            <a:lvl2pPr marL="685800" indent="-228600" algn="l" defTabSz="914400" rtl="0" eaLnBrk="1" latinLnBrk="0" hangingPunct="1">
+              <a:lnSpc>
+                <a:spcPct val="90000"/>
+              </a:lnSpc>
+              <a:spcBef>
+                <a:spcPts val="500"/>
+              </a:spcBef>
+              <a:buFont typeface="Arial" panose="020B0604020202020204" pitchFamily="34" charset="0"/>
+              <a:buChar char="•"/>
+              <a:defRPr sz="2400" kern="1200">
+                <a:solidFill>
+                  <a:schemeClr val="tx1"/>
+                </a:solidFill>
+                <a:latin typeface="+mn-lt"/>
+                <a:ea typeface="+mn-ea"/>
+                <a:cs typeface="+mn-cs"/>
+              </a:defRPr>
+            </a:lvl2pPr>
+            <a:lvl3pPr marL="1143000" indent="-228600" algn="l" defTabSz="914400" rtl="0" eaLnBrk="1" latinLnBrk="0" hangingPunct="1">
+              <a:lnSpc>
+                <a:spcPct val="90000"/>
+              </a:lnSpc>
+              <a:spcBef>
+                <a:spcPts val="500"/>
+              </a:spcBef>
+              <a:buFont typeface="Arial" panose="020B0604020202020204" pitchFamily="34" charset="0"/>
+              <a:buChar char="•"/>
+              <a:defRPr sz="2000" kern="1200">
+                <a:solidFill>
+                  <a:schemeClr val="tx1"/>
+                </a:solidFill>
+                <a:latin typeface="+mn-lt"/>
+                <a:ea typeface="+mn-ea"/>
+                <a:cs typeface="+mn-cs"/>
+              </a:defRPr>
+            </a:lvl3pPr>
+            <a:lvl4pPr marL="1600200" indent="-228600" algn="l" defTabSz="914400" rtl="0" eaLnBrk="1" latinLnBrk="0" hangingPunct="1">
+              <a:lnSpc>
+                <a:spcPct val="90000"/>
+              </a:lnSpc>
+              <a:spcBef>
+                <a:spcPts val="500"/>
+              </a:spcBef>
+              <a:buFont typeface="Arial" panose="020B0604020202020204" pitchFamily="34" charset="0"/>
+              <a:buChar char="•"/>
+              <a:defRPr sz="1800" kern="1200">
+                <a:solidFill>
+                  <a:schemeClr val="tx1"/>
+                </a:solidFill>
+                <a:latin typeface="+mn-lt"/>
+                <a:ea typeface="+mn-ea"/>
+                <a:cs typeface="+mn-cs"/>
+              </a:defRPr>
+            </a:lvl4pPr>
+            <a:lvl5pPr marL="2057400" indent="-228600" algn="l" defTabSz="914400" rtl="0" eaLnBrk="1" latinLnBrk="0" hangingPunct="1">
+              <a:lnSpc>
+                <a:spcPct val="90000"/>
+              </a:lnSpc>
+              <a:spcBef>
+                <a:spcPts val="500"/>
+              </a:spcBef>
+              <a:buFont typeface="Arial" panose="020B0604020202020204" pitchFamily="34" charset="0"/>
+              <a:buChar char="•"/>
+              <a:defRPr sz="1800" kern="1200">
+                <a:solidFill>
+                  <a:schemeClr val="tx1"/>
+                </a:solidFill>
+                <a:latin typeface="+mn-lt"/>
+                <a:ea typeface="+mn-ea"/>
+                <a:cs typeface="+mn-cs"/>
+              </a:defRPr>
+            </a:lvl5pPr>
+            <a:lvl6pPr marL="2514600" indent="-228600" algn="l" defTabSz="914400" rtl="0" eaLnBrk="1" latinLnBrk="0" hangingPunct="1">
+              <a:lnSpc>
+                <a:spcPct val="90000"/>
+              </a:lnSpc>
+              <a:spcBef>
+                <a:spcPts val="500"/>
+              </a:spcBef>
+              <a:buFont typeface="Arial" panose="020B0604020202020204" pitchFamily="34" charset="0"/>
+              <a:buChar char="•"/>
+              <a:defRPr sz="1800" kern="1200">
+                <a:solidFill>
+                  <a:schemeClr val="tx1"/>
+                </a:solidFill>
+                <a:latin typeface="+mn-lt"/>
+                <a:ea typeface="+mn-ea"/>
+                <a:cs typeface="+mn-cs"/>
+              </a:defRPr>
+            </a:lvl6pPr>
+            <a:lvl7pPr marL="2971800" indent="-228600" algn="l" defTabSz="914400" rtl="0" eaLnBrk="1" latinLnBrk="0" hangingPunct="1">
+              <a:lnSpc>
+                <a:spcPct val="90000"/>
+              </a:lnSpc>
+              <a:spcBef>
+                <a:spcPts val="500"/>
+              </a:spcBef>
+              <a:buFont typeface="Arial" panose="020B0604020202020204" pitchFamily="34" charset="0"/>
+              <a:buChar char="•"/>
+              <a:defRPr sz="1800" kern="1200">
+                <a:solidFill>
+                  <a:schemeClr val="tx1"/>
+                </a:solidFill>
+                <a:latin typeface="+mn-lt"/>
+                <a:ea typeface="+mn-ea"/>
+                <a:cs typeface="+mn-cs"/>
+              </a:defRPr>
+            </a:lvl7pPr>
+            <a:lvl8pPr marL="3429000" indent="-228600" algn="l" defTabSz="914400" rtl="0" eaLnBrk="1" latinLnBrk="0" hangingPunct="1">
+              <a:lnSpc>
+                <a:spcPct val="90000"/>
+              </a:lnSpc>
+              <a:spcBef>
+                <a:spcPts val="500"/>
+              </a:spcBef>
+              <a:buFont typeface="Arial" panose="020B0604020202020204" pitchFamily="34" charset="0"/>
+              <a:buChar char="•"/>
+              <a:defRPr sz="1800" kern="1200">
+                <a:solidFill>
+                  <a:schemeClr val="tx1"/>
+                </a:solidFill>
+                <a:latin typeface="+mn-lt"/>
+                <a:ea typeface="+mn-ea"/>
+                <a:cs typeface="+mn-cs"/>
+              </a:defRPr>
+            </a:lvl8pPr>
+            <a:lvl9pPr marL="3886200" indent="-228600" algn="l" defTabSz="914400" rtl="0" eaLnBrk="1" latinLnBrk="0" hangingPunct="1">
+              <a:lnSpc>
+                <a:spcPct val="90000"/>
+              </a:lnSpc>
+              <a:spcBef>
+                <a:spcPts val="500"/>
+              </a:spcBef>
+              <a:buFont typeface="Arial" panose="020B0604020202020204" pitchFamily="34" charset="0"/>
+              <a:buChar char="•"/>
+              <a:defRPr sz="1800" kern="1200">
+                <a:solidFill>
+                  <a:schemeClr val="tx1"/>
+                </a:solidFill>
+                <a:latin typeface="+mn-lt"/>
+                <a:ea typeface="+mn-ea"/>
+                <a:cs typeface="+mn-cs"/>
+              </a:defRPr>
+            </a:lvl9pPr>
+          </a:lstStyle>
+          <a:p>
+            <a:pPr marL="0" indent="0">
+              <a:buNone/>
+            </a:pPr>
+            <a:endParaRPr lang="it-IT" sz="2000" dirty="0"/>
+          </a:p>
+          <a:p>
+            <a:r>
+              <a:rPr lang="it-IT" sz="2000" dirty="0"/>
               <a:t>Come algoritmo di ricerca abbiamo deciso di implementare A* un algoritmo con euristica in quanto è stato notato che utilizzare una ricerca blind, come l’algoritmo profondità, comportava un tempo di ricerca troppo elevato non appena la soluzione si trovasse nell’albero di ricerca ad una profondità &gt;1. Al contrario una ricerca con euristica riusciva a raggiungere in maniera più efficiente e mirata la soluzione con una media di </a:t>
             </a:r>
             <a:r>
@@ -5598,19 +6047,20 @@
               <a:t>cira</a:t>
             </a:r>
             <a:r>
+              <a:rPr lang="it-IT" sz="2000" dirty="0"/>
+              <a:t> 3ms. </a:t>
+            </a:r>
+          </a:p>
+          <a:p>
+            <a:r>
+              <a:rPr lang="it-IT" sz="2000" dirty="0"/>
+              <a:t>È stato notato però che se la matrice è totalmente in disordine e per riordinarlo è richiesto un numero di swap molto elevato anche l’algoritmo A* fatica a trovare la soluzione mettendoci </a:t>
+            </a:r>
+            <a:r>
               <a:rPr lang="it-IT" sz="2000"/>
-              <a:t> 3ms</a:t>
-            </a:r>
-            <a:r>
-              <a:rPr lang="it-IT" sz="2000" dirty="0"/>
-              <a:t>. </a:t>
-            </a:r>
-          </a:p>
-          <a:p>
-            <a:r>
-              <a:rPr lang="it-IT" sz="2000" dirty="0"/>
-              <a:t>È stato notato però che se il numero di swap diventa molto complesso, oltre i 15/20 anche l’algoritmo A* ci mette tempi molto elevati.</a:t>
-            </a:r>
+              <a:t>anche tempi &gt;30min</a:t>
+            </a:r>
+            <a:endParaRPr lang="it-IT" sz="2000" dirty="0"/>
           </a:p>
           <a:p>
             <a:endParaRPr lang="it-IT" sz="2000" dirty="0"/>
@@ -5690,7 +6140,7 @@
 </p:sld>
 </file>
 
-<file path=ppt/slides/slide7.xml><?xml version="1.0" encoding="utf-8"?>
+<file path=ppt/slides/slide8.xml><?xml version="1.0" encoding="utf-8"?>
 <p:sld xmlns:a="http://schemas.openxmlformats.org/drawingml/2006/main" xmlns:r="http://schemas.openxmlformats.org/officeDocument/2006/relationships" xmlns:p="http://schemas.openxmlformats.org/presentationml/2006/main">
   <p:cSld>
     <p:spTree>
@@ -5767,117 +6217,6 @@
     <p:extLst>
       <p:ext uri="{BB962C8B-B14F-4D97-AF65-F5344CB8AC3E}">
         <p14:creationId xmlns:p14="http://schemas.microsoft.com/office/powerpoint/2010/main" val="4230851101"/>
-      </p:ext>
-    </p:extLst>
-  </p:cSld>
-  <p:clrMapOvr>
-    <a:masterClrMapping/>
-  </p:clrMapOvr>
-</p:sld>
-</file>
-
-<file path=ppt/slides/slide8.xml><?xml version="1.0" encoding="utf-8"?>
-<p:sld xmlns:a="http://schemas.openxmlformats.org/drawingml/2006/main" xmlns:r="http://schemas.openxmlformats.org/officeDocument/2006/relationships" xmlns:p="http://schemas.openxmlformats.org/presentationml/2006/main">
-  <p:cSld>
-    <p:spTree>
-      <p:nvGrpSpPr>
-        <p:cNvPr id="1" name=""/>
-        <p:cNvGrpSpPr/>
-        <p:nvPr/>
-      </p:nvGrpSpPr>
-      <p:grpSpPr>
-        <a:xfrm>
-          <a:off x="0" y="0"/>
-          <a:ext cx="0" cy="0"/>
-          <a:chOff x="0" y="0"/>
-          <a:chExt cx="0" cy="0"/>
-        </a:xfrm>
-      </p:grpSpPr>
-      <p:sp>
-        <p:nvSpPr>
-          <p:cNvPr id="4" name="Segnaposto testo 3">
-            <a:extLst>
-              <a:ext uri="{FF2B5EF4-FFF2-40B4-BE49-F238E27FC236}">
-                <a16:creationId xmlns:a16="http://schemas.microsoft.com/office/drawing/2014/main" id="{AB3CA44D-BD4D-4ADF-BEA5-2C092E8C41A9}"/>
-              </a:ext>
-            </a:extLst>
-          </p:cNvPr>
-          <p:cNvSpPr>
-            <a:spLocks noGrp="1"/>
-          </p:cNvSpPr>
-          <p:nvPr>
-            <p:ph type="body" sz="half" idx="2"/>
-          </p:nvPr>
-        </p:nvSpPr>
-        <p:spPr>
-          <a:xfrm>
-            <a:off x="1425714" y="1460349"/>
-            <a:ext cx="3932237" cy="3690314"/>
-          </a:xfrm>
-        </p:spPr>
-        <p:txBody>
-          <a:bodyPr>
-            <a:normAutofit/>
-          </a:bodyPr>
-          <a:lstStyle/>
-          <a:p>
-            <a:r>
-              <a:rPr lang="it-IT" sz="2000" dirty="0"/>
-              <a:t>Il progetto di </a:t>
-            </a:r>
-            <a:r>
-              <a:rPr lang="it-IT" sz="2000" dirty="0" err="1"/>
-              <a:t>clingo</a:t>
-            </a:r>
-            <a:r>
-              <a:rPr lang="it-IT" sz="2000" dirty="0"/>
-              <a:t> richiedeva la generazione di un calendario per un campionato di calcio composto da 20 squadre e 38 giornate 19 di andata e 19 di ritorno e dovevano essere rispettati dei vincoli per la generazione del calendario</a:t>
-            </a:r>
-          </a:p>
-          <a:p>
-            <a:endParaRPr lang="it-IT" sz="2000" dirty="0"/>
-          </a:p>
-          <a:p>
-            <a:r>
-              <a:rPr lang="it-IT" sz="2000" dirty="0"/>
-              <a:t>È stato preso come esempio il campionato italiano composto per l’appunto da 20 squadre appartenenti alle rispettive citta</a:t>
-            </a:r>
-          </a:p>
-        </p:txBody>
-      </p:sp>
-      <p:pic>
-        <p:nvPicPr>
-          <p:cNvPr id="10" name="Segnaposto contenuto 9">
-            <a:extLst>
-              <a:ext uri="{FF2B5EF4-FFF2-40B4-BE49-F238E27FC236}">
-                <a16:creationId xmlns:a16="http://schemas.microsoft.com/office/drawing/2014/main" id="{4007B781-F224-4AF1-B522-52FDB5D03CDE}"/>
-              </a:ext>
-            </a:extLst>
-          </p:cNvPr>
-          <p:cNvPicPr>
-            <a:picLocks noGrp="1" noChangeAspect="1"/>
-          </p:cNvPicPr>
-          <p:nvPr>
-            <p:ph idx="1"/>
-          </p:nvPr>
-        </p:nvPicPr>
-        <p:blipFill>
-          <a:blip r:embed="rId2"/>
-          <a:stretch>
-            <a:fillRect/>
-          </a:stretch>
-        </p:blipFill>
-        <p:spPr>
-          <a:xfrm>
-            <a:off x="7359588" y="1215699"/>
-            <a:ext cx="3018409" cy="5033749"/>
-          </a:xfrm>
-        </p:spPr>
-      </p:pic>
-    </p:spTree>
-    <p:extLst>
-      <p:ext uri="{BB962C8B-B14F-4D97-AF65-F5344CB8AC3E}">
-        <p14:creationId xmlns:p14="http://schemas.microsoft.com/office/powerpoint/2010/main" val="1392999892"/>
       </p:ext>
     </p:extLst>
   </p:cSld>
@@ -5909,7 +6248,7 @@
           <p:cNvPr id="4" name="Segnaposto testo 3">
             <a:extLst>
               <a:ext uri="{FF2B5EF4-FFF2-40B4-BE49-F238E27FC236}">
-                <a16:creationId xmlns:a16="http://schemas.microsoft.com/office/drawing/2014/main" id="{A88B8DB6-56FA-4741-9ACE-9BB25C32EF1D}"/>
+                <a16:creationId xmlns:a16="http://schemas.microsoft.com/office/drawing/2014/main" id="{AB3CA44D-BD4D-4ADF-BEA5-2C092E8C41A9}"/>
               </a:ext>
             </a:extLst>
           </p:cNvPr>
@@ -5922,55 +6261,46 @@
         </p:nvSpPr>
         <p:spPr>
           <a:xfrm>
-            <a:off x="322555" y="428081"/>
-            <a:ext cx="3932237" cy="3984122"/>
+            <a:off x="1425714" y="1460349"/>
+            <a:ext cx="3932237" cy="3690314"/>
           </a:xfrm>
         </p:spPr>
         <p:txBody>
           <a:bodyPr>
-            <a:noAutofit/>
+            <a:normAutofit/>
           </a:bodyPr>
           <a:lstStyle/>
           <a:p>
             <a:r>
-              <a:rPr lang="it-IT" sz="1700" dirty="0"/>
-              <a:t>Ogni città offre uno stadio che viene assegnato alla squadra di appartenenza in cui giocherà durante il campionato le partite in casa</a:t>
-            </a:r>
-          </a:p>
-          <a:p>
-            <a:r>
-              <a:rPr lang="it-IT" sz="1700" dirty="0"/>
-              <a:t>Generiamo le partite che saranno 10 per ogni giornata di andata e 10 per ogni giornata di ritorno, andando a specificare che:</a:t>
-            </a:r>
-          </a:p>
-          <a:p>
-            <a:pPr marL="285750" indent="-285750">
-              <a:buFont typeface="Arial" panose="020B0604020202020204" pitchFamily="34" charset="0"/>
-              <a:buChar char="•"/>
-            </a:pPr>
-            <a:r>
-              <a:rPr lang="it-IT" sz="1700" dirty="0"/>
-              <a:t>non ci possono essere due partite uguali o a campi invertiti nella stessa giornata o in giornate diverse</a:t>
-            </a:r>
-          </a:p>
-          <a:p>
-            <a:pPr marL="285750" indent="-285750">
-              <a:buFont typeface="Arial" panose="020B0604020202020204" pitchFamily="34" charset="0"/>
-              <a:buChar char="•"/>
-            </a:pPr>
-            <a:r>
-              <a:rPr lang="it-IT" sz="1700" dirty="0"/>
-              <a:t>due squadre della stessa città non possono giocare entrambe in casa durante la medesima giornata di andata o di ritorno perché condividono lo stesso sta</a:t>
+              <a:rPr lang="it-IT" sz="2000" dirty="0"/>
+              <a:t>Il progetto di </a:t>
+            </a:r>
+            <a:r>
+              <a:rPr lang="it-IT" sz="2000" dirty="0" err="1"/>
+              <a:t>clingo</a:t>
+            </a:r>
+            <a:r>
+              <a:rPr lang="it-IT" sz="2000" dirty="0"/>
+              <a:t> richiedeva la generazione di un calendario per un campionato di calcio composto da 20 squadre e 38 giornate 19 di andata e 19 di ritorno e dovevano essere rispettati dei vincoli per la generazione del calendario</a:t>
+            </a:r>
+          </a:p>
+          <a:p>
+            <a:endParaRPr lang="it-IT" sz="2000" dirty="0"/>
+          </a:p>
+          <a:p>
+            <a:r>
+              <a:rPr lang="it-IT" sz="2000" dirty="0"/>
+              <a:t>È stato preso come esempio il campionato italiano composto per l’appunto da 20 squadre appartenenti alle rispettive citta</a:t>
             </a:r>
           </a:p>
         </p:txBody>
       </p:sp>
       <p:pic>
         <p:nvPicPr>
-          <p:cNvPr id="5" name="Segnaposto contenuto 4">
-            <a:extLst>
-              <a:ext uri="{FF2B5EF4-FFF2-40B4-BE49-F238E27FC236}">
-                <a16:creationId xmlns:a16="http://schemas.microsoft.com/office/drawing/2014/main" id="{61E82DDB-7392-481D-851D-E4CC390403E4}"/>
+          <p:cNvPr id="10" name="Segnaposto contenuto 9">
+            <a:extLst>
+              <a:ext uri="{FF2B5EF4-FFF2-40B4-BE49-F238E27FC236}">
+                <a16:creationId xmlns:a16="http://schemas.microsoft.com/office/drawing/2014/main" id="{4007B781-F224-4AF1-B522-52FDB5D03CDE}"/>
               </a:ext>
             </a:extLst>
           </p:cNvPr>
@@ -5989,78 +6319,15 @@
         </p:blipFill>
         <p:spPr>
           <a:xfrm>
-            <a:off x="5086905" y="765684"/>
-            <a:ext cx="6774235" cy="3293629"/>
+            <a:off x="7359588" y="1215699"/>
+            <a:ext cx="3018409" cy="5033749"/>
           </a:xfrm>
-          <a:prstGeom prst="rect">
-            <a:avLst/>
-          </a:prstGeom>
-        </p:spPr>
-      </p:pic>
-      <p:pic>
-        <p:nvPicPr>
-          <p:cNvPr id="7" name="Immagine 6">
-            <a:extLst>
-              <a:ext uri="{FF2B5EF4-FFF2-40B4-BE49-F238E27FC236}">
-                <a16:creationId xmlns:a16="http://schemas.microsoft.com/office/drawing/2014/main" id="{E3214018-4412-45FE-ACAA-0DA0BD6C32BA}"/>
-              </a:ext>
-            </a:extLst>
-          </p:cNvPr>
-          <p:cNvPicPr>
-            <a:picLocks noChangeAspect="1"/>
-          </p:cNvPicPr>
-          <p:nvPr/>
-        </p:nvPicPr>
-        <p:blipFill>
-          <a:blip r:embed="rId3"/>
-          <a:stretch>
-            <a:fillRect/>
-          </a:stretch>
-        </p:blipFill>
-        <p:spPr>
-          <a:xfrm>
-            <a:off x="2919167" y="4559043"/>
-            <a:ext cx="8950278" cy="741194"/>
-          </a:xfrm>
-          <a:prstGeom prst="rect">
-            <a:avLst/>
-          </a:prstGeom>
-        </p:spPr>
-      </p:pic>
-      <p:pic>
-        <p:nvPicPr>
-          <p:cNvPr id="9" name="Immagine 8">
-            <a:extLst>
-              <a:ext uri="{FF2B5EF4-FFF2-40B4-BE49-F238E27FC236}">
-                <a16:creationId xmlns:a16="http://schemas.microsoft.com/office/drawing/2014/main" id="{E63B12B5-FF74-4899-A695-26C932E1C9C8}"/>
-              </a:ext>
-            </a:extLst>
-          </p:cNvPr>
-          <p:cNvPicPr>
-            <a:picLocks noChangeAspect="1"/>
-          </p:cNvPicPr>
-          <p:nvPr/>
-        </p:nvPicPr>
-        <p:blipFill>
-          <a:blip r:embed="rId4"/>
-          <a:stretch>
-            <a:fillRect/>
-          </a:stretch>
-        </p:blipFill>
-        <p:spPr>
-          <a:xfrm>
-            <a:off x="2919168" y="5799967"/>
-            <a:ext cx="8950278" cy="786685"/>
-          </a:xfrm>
-          <a:prstGeom prst="rect">
-            <a:avLst/>
-          </a:prstGeom>
         </p:spPr>
       </p:pic>
     </p:spTree>
     <p:extLst>
       <p:ext uri="{BB962C8B-B14F-4D97-AF65-F5344CB8AC3E}">
-        <p14:creationId xmlns:p14="http://schemas.microsoft.com/office/powerpoint/2010/main" val="3735282083"/>
+        <p14:creationId xmlns:p14="http://schemas.microsoft.com/office/powerpoint/2010/main" val="1392999892"/>
       </p:ext>
     </p:extLst>
   </p:cSld>

--- a/Presentazioni/Presentazione_Pozzato.pptx
+++ b/Presentazioni/Presentazione_Pozzato.pptx
@@ -600,7 +600,7 @@
           <a:p>
             <a:fld id="{B64B7556-49F2-4736-B3F9-00EDF3B414DB}" type="datetimeFigureOut">
               <a:rPr lang="it-IT" smtClean="0"/>
-              <a:t>04/06/2022</a:t>
+              <a:t>05/06/2022</a:t>
             </a:fld>
             <a:endParaRPr lang="it-IT"/>
           </a:p>
@@ -798,7 +798,7 @@
           <a:p>
             <a:fld id="{B64B7556-49F2-4736-B3F9-00EDF3B414DB}" type="datetimeFigureOut">
               <a:rPr lang="it-IT" smtClean="0"/>
-              <a:t>04/06/2022</a:t>
+              <a:t>05/06/2022</a:t>
             </a:fld>
             <a:endParaRPr lang="it-IT"/>
           </a:p>
@@ -1006,7 +1006,7 @@
           <a:p>
             <a:fld id="{B64B7556-49F2-4736-B3F9-00EDF3B414DB}" type="datetimeFigureOut">
               <a:rPr lang="it-IT" smtClean="0"/>
-              <a:t>04/06/2022</a:t>
+              <a:t>05/06/2022</a:t>
             </a:fld>
             <a:endParaRPr lang="it-IT"/>
           </a:p>
@@ -1204,7 +1204,7 @@
           <a:p>
             <a:fld id="{B64B7556-49F2-4736-B3F9-00EDF3B414DB}" type="datetimeFigureOut">
               <a:rPr lang="it-IT" smtClean="0"/>
-              <a:t>04/06/2022</a:t>
+              <a:t>05/06/2022</a:t>
             </a:fld>
             <a:endParaRPr lang="it-IT"/>
           </a:p>
@@ -1479,7 +1479,7 @@
           <a:p>
             <a:fld id="{B64B7556-49F2-4736-B3F9-00EDF3B414DB}" type="datetimeFigureOut">
               <a:rPr lang="it-IT" smtClean="0"/>
-              <a:t>04/06/2022</a:t>
+              <a:t>05/06/2022</a:t>
             </a:fld>
             <a:endParaRPr lang="it-IT"/>
           </a:p>
@@ -1744,7 +1744,7 @@
           <a:p>
             <a:fld id="{B64B7556-49F2-4736-B3F9-00EDF3B414DB}" type="datetimeFigureOut">
               <a:rPr lang="it-IT" smtClean="0"/>
-              <a:t>04/06/2022</a:t>
+              <a:t>05/06/2022</a:t>
             </a:fld>
             <a:endParaRPr lang="it-IT"/>
           </a:p>
@@ -2156,7 +2156,7 @@
           <a:p>
             <a:fld id="{B64B7556-49F2-4736-B3F9-00EDF3B414DB}" type="datetimeFigureOut">
               <a:rPr lang="it-IT" smtClean="0"/>
-              <a:t>04/06/2022</a:t>
+              <a:t>05/06/2022</a:t>
             </a:fld>
             <a:endParaRPr lang="it-IT"/>
           </a:p>
@@ -2297,7 +2297,7 @@
           <a:p>
             <a:fld id="{B64B7556-49F2-4736-B3F9-00EDF3B414DB}" type="datetimeFigureOut">
               <a:rPr lang="it-IT" smtClean="0"/>
-              <a:t>04/06/2022</a:t>
+              <a:t>05/06/2022</a:t>
             </a:fld>
             <a:endParaRPr lang="it-IT"/>
           </a:p>
@@ -2410,7 +2410,7 @@
           <a:p>
             <a:fld id="{B64B7556-49F2-4736-B3F9-00EDF3B414DB}" type="datetimeFigureOut">
               <a:rPr lang="it-IT" smtClean="0"/>
-              <a:t>04/06/2022</a:t>
+              <a:t>05/06/2022</a:t>
             </a:fld>
             <a:endParaRPr lang="it-IT"/>
           </a:p>
@@ -2721,7 +2721,7 @@
           <a:p>
             <a:fld id="{B64B7556-49F2-4736-B3F9-00EDF3B414DB}" type="datetimeFigureOut">
               <a:rPr lang="it-IT" smtClean="0"/>
-              <a:t>04/06/2022</a:t>
+              <a:t>05/06/2022</a:t>
             </a:fld>
             <a:endParaRPr lang="it-IT"/>
           </a:p>
@@ -3009,7 +3009,7 @@
           <a:p>
             <a:fld id="{B64B7556-49F2-4736-B3F9-00EDF3B414DB}" type="datetimeFigureOut">
               <a:rPr lang="it-IT" smtClean="0"/>
-              <a:t>04/06/2022</a:t>
+              <a:t>05/06/2022</a:t>
             </a:fld>
             <a:endParaRPr lang="it-IT"/>
           </a:p>
@@ -3250,7 +3250,7 @@
           <a:p>
             <a:fld id="{B64B7556-49F2-4736-B3F9-00EDF3B414DB}" type="datetimeFigureOut">
               <a:rPr lang="it-IT" smtClean="0"/>
-              <a:t>04/06/2022</a:t>
+              <a:t>05/06/2022</a:t>
             </a:fld>
             <a:endParaRPr lang="it-IT"/>
           </a:p>
@@ -3964,35 +3964,6 @@
           <a:chExt cx="0" cy="0"/>
         </a:xfrm>
       </p:grpSpPr>
-      <p:pic>
-        <p:nvPicPr>
-          <p:cNvPr id="6" name="Segnaposto contenuto 5">
-            <a:extLst>
-              <a:ext uri="{FF2B5EF4-FFF2-40B4-BE49-F238E27FC236}">
-                <a16:creationId xmlns:a16="http://schemas.microsoft.com/office/drawing/2014/main" id="{A89FE7B8-0D14-47DB-A095-64DFAAA54E72}"/>
-              </a:ext>
-            </a:extLst>
-          </p:cNvPr>
-          <p:cNvPicPr>
-            <a:picLocks noGrp="1" noChangeAspect="1"/>
-          </p:cNvPicPr>
-          <p:nvPr>
-            <p:ph idx="1"/>
-          </p:nvPr>
-        </p:nvPicPr>
-        <p:blipFill>
-          <a:blip r:embed="rId2"/>
-          <a:stretch>
-            <a:fillRect/>
-          </a:stretch>
-        </p:blipFill>
-        <p:spPr>
-          <a:xfrm>
-            <a:off x="1728253" y="3429000"/>
-            <a:ext cx="6359303" cy="529942"/>
-          </a:xfrm>
-        </p:spPr>
-      </p:pic>
       <p:sp>
         <p:nvSpPr>
           <p:cNvPr id="4" name="Segnaposto testo 3">
@@ -4162,10 +4133,39 @@
       </p:sp>
       <p:pic>
         <p:nvPicPr>
-          <p:cNvPr id="9" name="Immagine 8">
-            <a:extLst>
-              <a:ext uri="{FF2B5EF4-FFF2-40B4-BE49-F238E27FC236}">
-                <a16:creationId xmlns:a16="http://schemas.microsoft.com/office/drawing/2014/main" id="{0CE2C22D-1A8F-4FD2-A741-9CB9F29A0576}"/>
+          <p:cNvPr id="8" name="Segnaposto contenuto 7">
+            <a:extLst>
+              <a:ext uri="{FF2B5EF4-FFF2-40B4-BE49-F238E27FC236}">
+                <a16:creationId xmlns:a16="http://schemas.microsoft.com/office/drawing/2014/main" id="{0FFF5CB3-3F7B-4E19-A0A3-B234512A52CD}"/>
+              </a:ext>
+            </a:extLst>
+          </p:cNvPr>
+          <p:cNvPicPr>
+            <a:picLocks noGrp="1" noChangeAspect="1"/>
+          </p:cNvPicPr>
+          <p:nvPr>
+            <p:ph idx="1"/>
+          </p:nvPr>
+        </p:nvPicPr>
+        <p:blipFill>
+          <a:blip r:embed="rId2"/>
+          <a:stretch>
+            <a:fillRect/>
+          </a:stretch>
+        </p:blipFill>
+        <p:spPr>
+          <a:xfrm>
+            <a:off x="1649876" y="3428999"/>
+            <a:ext cx="7609534" cy="707269"/>
+          </a:xfrm>
+        </p:spPr>
+      </p:pic>
+      <p:pic>
+        <p:nvPicPr>
+          <p:cNvPr id="11" name="Immagine 10">
+            <a:extLst>
+              <a:ext uri="{FF2B5EF4-FFF2-40B4-BE49-F238E27FC236}">
+                <a16:creationId xmlns:a16="http://schemas.microsoft.com/office/drawing/2014/main" id="{F99432F6-4DA4-4FDE-A6FB-442BBF59E3C7}"/>
               </a:ext>
             </a:extLst>
           </p:cNvPr>
@@ -4182,8 +4182,8 @@
         </p:blipFill>
         <p:spPr>
           <a:xfrm>
-            <a:off x="1728253" y="1703631"/>
-            <a:ext cx="6359304" cy="564277"/>
+            <a:off x="1649876" y="1763635"/>
+            <a:ext cx="6544213" cy="556954"/>
           </a:xfrm>
           <a:prstGeom prst="rect">
             <a:avLst/>
@@ -4355,8 +4355,8 @@
         </p:nvSpPr>
         <p:spPr>
           <a:xfrm>
-            <a:off x="839787" y="5193437"/>
-            <a:ext cx="10656795" cy="923330"/>
+            <a:off x="839787" y="4920871"/>
+            <a:ext cx="10656795" cy="1754326"/>
           </a:xfrm>
           <a:prstGeom prst="rect">
             <a:avLst/>
@@ -4379,6 +4379,20 @@
               <a:rPr lang="it-IT" dirty="0"/>
               <a:t>Di seguito abbiamo messo il calendario proposto come soluzione dopo l’esecuzione della prima prova</a:t>
             </a:r>
+          </a:p>
+          <a:p>
+            <a:endParaRPr lang="it-IT" dirty="0"/>
+          </a:p>
+          <a:p>
+            <a:r>
+              <a:rPr lang="it-IT" dirty="0"/>
+              <a:t>Il programma presenta anche una stampa  «#show assegna/3.» che mostra l’assegnamento delle squadre ai rispettivi stadi. Per una migliore lettura del calendario è stata commenta ma è possibile </a:t>
+            </a:r>
+            <a:r>
+              <a:rPr lang="it-IT"/>
+              <a:t>farla eseguire.</a:t>
+            </a:r>
+            <a:endParaRPr lang="it-IT" dirty="0"/>
           </a:p>
         </p:txBody>
       </p:sp>

--- a/Presentazioni/Presentazione_Pozzato.pptx
+++ b/Presentazioni/Presentazione_Pozzato.pptx
@@ -5460,7 +5460,7 @@
           <a:p>
             <a:r>
               <a:rPr lang="it-IT" sz="2000" dirty="0"/>
-              <a:t>Per ragioni di comodità implementativa abbiamo deciso di trasformare la matrice in un vettore di lunghezza 4x4.</a:t>
+              <a:t>Per ragioni di comodità implementativa abbiamo deciso di trasformare la matrice in un vettore di lunghezza 16.</a:t>
             </a:r>
           </a:p>
           <a:p>
@@ -5879,7 +5879,7 @@
         </p:spPr>
         <p:txBody>
           <a:bodyPr>
-            <a:normAutofit fontScale="85000" lnSpcReduction="20000"/>
+            <a:normAutofit fontScale="77500" lnSpcReduction="20000"/>
           </a:bodyPr>
           <a:lstStyle>
             <a:lvl1pPr marL="228600" indent="-228600" algn="l" defTabSz="914400" rtl="0" eaLnBrk="1" latinLnBrk="0" hangingPunct="1">
@@ -6054,27 +6054,36 @@
           <a:p>
             <a:r>
               <a:rPr lang="it-IT" sz="2000" dirty="0"/>
-              <a:t>Come algoritmo di ricerca abbiamo deciso di implementare A* un algoritmo con euristica in quanto è stato notato che utilizzare una ricerca blind, come l’algoritmo profondità, comportava un tempo di ricerca troppo elevato non appena la soluzione si trovasse nell’albero di ricerca ad una profondità &gt;1. Al contrario una ricerca con euristica riusciva a raggiungere in maniera più efficiente e mirata la soluzione con una media di </a:t>
+              <a:t>Come algoritmo di ricerca abbiamo deciso di implementare A* un algoritmo con euristica in quanto è stato notato che utilizzare una ricerca blind, come l’algoritmo profondità, comportava un tempo di ricerca troppo elevato non appena la soluzione si trovasse nell’albero di ricerca ad una profondità &gt;1. Al contrario una ricerca con euristica riusciva a raggiungere in maniera più efficiente e mirata la soluzione con una media di circa 3ms. </a:t>
+            </a:r>
+          </a:p>
+          <a:p>
+            <a:r>
+              <a:rPr lang="it-IT" sz="2000" dirty="0"/>
+              <a:t>È stato notato però che se la matrice è totalmente </a:t>
+            </a:r>
+            <a:r>
+              <a:rPr lang="it-IT" sz="2000"/>
+              <a:t>in disordine, </a:t>
+            </a:r>
+            <a:r>
+              <a:rPr lang="it-IT" sz="2000" dirty="0"/>
+              <a:t>e per riordinarlo è richiesto un numero di swap molto elevato anche l’algoritmo A* fatica a trovare la soluzione mettendoci anche tempi &gt;30min</a:t>
+            </a:r>
+          </a:p>
+          <a:p>
+            <a:r>
+              <a:rPr lang="it-IT" sz="2000" dirty="0"/>
+              <a:t>Per eseguire il codice caricare i file dominio.pl , ricerca.pl e regole.pl e scrivere </a:t>
             </a:r>
             <a:r>
               <a:rPr lang="it-IT" sz="2000" dirty="0" err="1"/>
-              <a:t>cira</a:t>
+              <a:t>a_star_start</a:t>
             </a:r>
             <a:r>
               <a:rPr lang="it-IT" sz="2000" dirty="0"/>
-              <a:t> 3ms. </a:t>
-            </a:r>
-          </a:p>
-          <a:p>
-            <a:r>
-              <a:rPr lang="it-IT" sz="2000" dirty="0"/>
-              <a:t>È stato notato però che se la matrice è totalmente in disordine e per riordinarlo è richiesto un numero di swap molto elevato anche l’algoritmo A* fatica a trovare la soluzione mettendoci </a:t>
-            </a:r>
-            <a:r>
-              <a:rPr lang="it-IT" sz="2000"/>
-              <a:t>anche tempi &gt;30min</a:t>
-            </a:r>
-            <a:endParaRPr lang="it-IT" sz="2000" dirty="0"/>
+              <a:t>(P). </a:t>
+            </a:r>
           </a:p>
           <a:p>
             <a:endParaRPr lang="it-IT" sz="2000" dirty="0"/>

--- a/Presentazioni/Presentazione_Pozzato.pptx
+++ b/Presentazioni/Presentazione_Pozzato.pptx
@@ -5870,8 +5870,8 @@
         </p:nvSpPr>
         <p:spPr>
           <a:xfrm>
-            <a:off x="1510748" y="1152940"/>
-            <a:ext cx="4036387" cy="4260573"/>
+            <a:off x="1264485" y="666959"/>
+            <a:ext cx="4282649" cy="5654328"/>
           </a:xfrm>
           <a:prstGeom prst="rect">
             <a:avLst/>
@@ -5879,7 +5879,7 @@
         </p:spPr>
         <p:txBody>
           <a:bodyPr>
-            <a:normAutofit fontScale="77500" lnSpcReduction="20000"/>
+            <a:normAutofit fontScale="92500" lnSpcReduction="20000"/>
           </a:bodyPr>
           <a:lstStyle>
             <a:lvl1pPr marL="228600" indent="-228600" algn="l" defTabSz="914400" rtl="0" eaLnBrk="1" latinLnBrk="0" hangingPunct="1">
@@ -6060,16 +6060,19 @@
           <a:p>
             <a:r>
               <a:rPr lang="it-IT" sz="2000" dirty="0"/>
-              <a:t>È stato notato però che se la matrice è totalmente </a:t>
-            </a:r>
-            <a:r>
-              <a:rPr lang="it-IT" sz="2000"/>
-              <a:t>in disordine, </a:t>
-            </a:r>
+              <a:t>È stato notato però che se la matrice è totalmente in disordine, e per riordinarlo è richiesto un numero di swap molto elevato anche l’algoritmo A* fatica a trovare la soluzione mettendoci anche tempi &gt;30min</a:t>
+            </a:r>
+          </a:p>
+          <a:p>
             <a:r>
               <a:rPr lang="it-IT" sz="2000" dirty="0"/>
-              <a:t>e per riordinarlo è richiesto un numero di swap molto elevato anche l’algoritmo A* fatica a trovare la soluzione mettendoci anche tempi &gt;30min</a:t>
-            </a:r>
+              <a:t>Per A* è stata usata come euristica la distanza di </a:t>
+            </a:r>
+            <a:r>
+              <a:rPr lang="it-IT" sz="2000" dirty="0" err="1"/>
+              <a:t>manhattan</a:t>
+            </a:r>
+            <a:endParaRPr lang="it-IT" sz="2000" dirty="0"/>
           </a:p>
           <a:p>
             <a:r>
